--- a/Устинов Владислав С7120Б/презентация.pptx
+++ b/Устинов Владислав С7120Б/презентация.pptx
@@ -6,8 +6,8 @@
   </p:sldMasterIdLst>
   <p:sldIdLst>
     <p:sldId id="256" r:id="rId2"/>
-    <p:sldId id="258" r:id="rId3"/>
-    <p:sldId id="259" r:id="rId4"/>
+    <p:sldId id="259" r:id="rId3"/>
+    <p:sldId id="258" r:id="rId4"/>
     <p:sldId id="261" r:id="rId5"/>
     <p:sldId id="262" r:id="rId6"/>
     <p:sldId id="263" r:id="rId7"/>
@@ -300,7 +300,7 @@
           <a:p>
             <a:fld id="{B4C71EC6-210F-42DE-9C53-41977AD35B3D}" type="datetimeFigureOut">
               <a:rPr lang="ru-RU" smtClean="0"/>
-              <a:t>20.06.2022</a:t>
+              <a:t>30.06.2022</a:t>
             </a:fld>
             <a:endParaRPr lang="ru-RU"/>
           </a:p>
@@ -465,7 +465,7 @@
           <a:p>
             <a:fld id="{B4C71EC6-210F-42DE-9C53-41977AD35B3D}" type="datetimeFigureOut">
               <a:rPr lang="ru-RU" smtClean="0"/>
-              <a:t>20.06.2022</a:t>
+              <a:t>30.06.2022</a:t>
             </a:fld>
             <a:endParaRPr lang="ru-RU"/>
           </a:p>
@@ -640,7 +640,7 @@
           <a:p>
             <a:fld id="{B4C71EC6-210F-42DE-9C53-41977AD35B3D}" type="datetimeFigureOut">
               <a:rPr lang="ru-RU" smtClean="0"/>
-              <a:t>20.06.2022</a:t>
+              <a:t>30.06.2022</a:t>
             </a:fld>
             <a:endParaRPr lang="ru-RU"/>
           </a:p>
@@ -805,7 +805,7 @@
           <a:p>
             <a:fld id="{B4C71EC6-210F-42DE-9C53-41977AD35B3D}" type="datetimeFigureOut">
               <a:rPr lang="ru-RU" smtClean="0"/>
-              <a:t>20.06.2022</a:t>
+              <a:t>30.06.2022</a:t>
             </a:fld>
             <a:endParaRPr lang="ru-RU"/>
           </a:p>
@@ -1046,7 +1046,7 @@
           <a:p>
             <a:fld id="{B4C71EC6-210F-42DE-9C53-41977AD35B3D}" type="datetimeFigureOut">
               <a:rPr lang="ru-RU" smtClean="0"/>
-              <a:t>20.06.2022</a:t>
+              <a:t>30.06.2022</a:t>
             </a:fld>
             <a:endParaRPr lang="ru-RU"/>
           </a:p>
@@ -1329,7 +1329,7 @@
           <a:p>
             <a:fld id="{B4C71EC6-210F-42DE-9C53-41977AD35B3D}" type="datetimeFigureOut">
               <a:rPr lang="ru-RU" smtClean="0"/>
-              <a:t>20.06.2022</a:t>
+              <a:t>30.06.2022</a:t>
             </a:fld>
             <a:endParaRPr lang="ru-RU"/>
           </a:p>
@@ -1746,7 +1746,7 @@
           <a:p>
             <a:fld id="{B4C71EC6-210F-42DE-9C53-41977AD35B3D}" type="datetimeFigureOut">
               <a:rPr lang="ru-RU" smtClean="0"/>
-              <a:t>20.06.2022</a:t>
+              <a:t>30.06.2022</a:t>
             </a:fld>
             <a:endParaRPr lang="ru-RU"/>
           </a:p>
@@ -1859,7 +1859,7 @@
           <a:p>
             <a:fld id="{B4C71EC6-210F-42DE-9C53-41977AD35B3D}" type="datetimeFigureOut">
               <a:rPr lang="ru-RU" smtClean="0"/>
-              <a:t>20.06.2022</a:t>
+              <a:t>30.06.2022</a:t>
             </a:fld>
             <a:endParaRPr lang="ru-RU"/>
           </a:p>
@@ -1949,7 +1949,7 @@
           <a:p>
             <a:fld id="{B4C71EC6-210F-42DE-9C53-41977AD35B3D}" type="datetimeFigureOut">
               <a:rPr lang="ru-RU" smtClean="0"/>
-              <a:t>20.06.2022</a:t>
+              <a:t>30.06.2022</a:t>
             </a:fld>
             <a:endParaRPr lang="ru-RU"/>
           </a:p>
@@ -2221,7 +2221,7 @@
           <a:p>
             <a:fld id="{B4C71EC6-210F-42DE-9C53-41977AD35B3D}" type="datetimeFigureOut">
               <a:rPr lang="ru-RU" smtClean="0"/>
-              <a:t>20.06.2022</a:t>
+              <a:t>30.06.2022</a:t>
             </a:fld>
             <a:endParaRPr lang="ru-RU"/>
           </a:p>
@@ -2469,7 +2469,7 @@
           <a:p>
             <a:fld id="{B4C71EC6-210F-42DE-9C53-41977AD35B3D}" type="datetimeFigureOut">
               <a:rPr lang="ru-RU" smtClean="0"/>
-              <a:t>20.06.2022</a:t>
+              <a:t>30.06.2022</a:t>
             </a:fld>
             <a:endParaRPr lang="ru-RU"/>
           </a:p>
@@ -2677,7 +2677,7 @@
           <a:p>
             <a:fld id="{B4C71EC6-210F-42DE-9C53-41977AD35B3D}" type="datetimeFigureOut">
               <a:rPr lang="ru-RU" smtClean="0"/>
-              <a:t>20.06.2022</a:t>
+              <a:t>30.06.2022</a:t>
             </a:fld>
             <a:endParaRPr lang="ru-RU"/>
           </a:p>
@@ -3056,7 +3056,7 @@
         <p:spPr>
           <a:xfrm>
             <a:off x="0" y="188640"/>
-            <a:ext cx="9144000" cy="7017306"/>
+            <a:ext cx="9144000" cy="6986528"/>
           </a:xfrm>
           <a:prstGeom prst="rect">
             <a:avLst/>
@@ -3071,8 +3071,8 @@
           <a:p>
             <a:pPr algn="ctr"/>
             <a:r>
-              <a:rPr lang="ru-RU" sz="1400" dirty="0" smtClean="0">
-                <a:latin typeface="Times New Roman" panose="02020603050405020304" pitchFamily="18" charset="0"/>
+              <a:rPr lang="ru-RU" sz="1600" dirty="0" smtClean="0">
+                <a:latin typeface="Bahnschrift Light SemiCondensed" pitchFamily="34" charset="0"/>
                 <a:cs typeface="Times New Roman" panose="02020603050405020304" pitchFamily="18" charset="0"/>
               </a:rPr>
               <a:t>Государственное автономное образовательное учреждение высшего образования</a:t>
@@ -3081,8 +3081,8 @@
           <a:p>
             <a:pPr algn="ctr"/>
             <a:r>
-              <a:rPr lang="ru-RU" sz="1400" dirty="0" smtClean="0">
-                <a:latin typeface="Times New Roman" panose="02020603050405020304" pitchFamily="18" charset="0"/>
+              <a:rPr lang="ru-RU" sz="1600" dirty="0" smtClean="0">
+                <a:latin typeface="Bahnschrift Light SemiCondensed" pitchFamily="34" charset="0"/>
                 <a:cs typeface="Times New Roman" panose="02020603050405020304" pitchFamily="18" charset="0"/>
               </a:rPr>
               <a:t>Ленинградской области</a:t>
@@ -3091,8 +3091,8 @@
           <a:p>
             <a:pPr algn="ctr"/>
             <a:r>
-              <a:rPr lang="ru-RU" sz="1400" b="1" dirty="0" smtClean="0">
-                <a:latin typeface="Times New Roman" panose="02020603050405020304" pitchFamily="18" charset="0"/>
+              <a:rPr lang="ru-RU" sz="1600" b="1" dirty="0" smtClean="0">
+                <a:latin typeface="Bahnschrift Light SemiCondensed" pitchFamily="34" charset="0"/>
                 <a:cs typeface="Times New Roman" panose="02020603050405020304" pitchFamily="18" charset="0"/>
               </a:rPr>
               <a:t>ЛЕНИНГРАДСКИЙ ГОСУДАРСТВЕННЫЙ УНИВЕРСИТЕТ ИМЕНИ А.С. ПУШКИНА</a:t>
@@ -3100,16 +3100,16 @@
           </a:p>
           <a:p>
             <a:pPr algn="ctr"/>
-            <a:endParaRPr lang="ru-RU" sz="1400" dirty="0" smtClean="0">
-              <a:latin typeface="Times New Roman" panose="02020603050405020304" pitchFamily="18" charset="0"/>
+            <a:endParaRPr lang="ru-RU" sz="1600" dirty="0" smtClean="0">
+              <a:latin typeface="Bahnschrift Light SemiCondensed" pitchFamily="34" charset="0"/>
               <a:cs typeface="Times New Roman" panose="02020603050405020304" pitchFamily="18" charset="0"/>
             </a:endParaRPr>
           </a:p>
           <a:p>
             <a:pPr algn="ctr"/>
             <a:r>
-              <a:rPr lang="ru-RU" sz="1400" dirty="0" smtClean="0">
-                <a:latin typeface="Times New Roman" panose="02020603050405020304" pitchFamily="18" charset="0"/>
+              <a:rPr lang="ru-RU" sz="1600" dirty="0" smtClean="0">
+                <a:latin typeface="Bahnschrift Light SemiCondensed" pitchFamily="34" charset="0"/>
                 <a:cs typeface="Times New Roman" panose="02020603050405020304" pitchFamily="18" charset="0"/>
               </a:rPr>
               <a:t>Институт экономической безопасности </a:t>
@@ -3117,16 +3117,16 @@
           </a:p>
           <a:p>
             <a:pPr algn="ctr"/>
-            <a:endParaRPr lang="ru-RU" sz="1400" dirty="0">
-              <a:latin typeface="Times New Roman" panose="02020603050405020304" pitchFamily="18" charset="0"/>
+            <a:endParaRPr lang="ru-RU" sz="1600" dirty="0">
+              <a:latin typeface="Bahnschrift Light SemiCondensed" pitchFamily="34" charset="0"/>
               <a:cs typeface="Times New Roman" panose="02020603050405020304" pitchFamily="18" charset="0"/>
             </a:endParaRPr>
           </a:p>
           <a:p>
             <a:pPr algn="ctr"/>
             <a:r>
-              <a:rPr lang="ru-RU" sz="1400" dirty="0" smtClean="0">
-                <a:latin typeface="Times New Roman" panose="02020603050405020304" pitchFamily="18" charset="0"/>
+              <a:rPr lang="ru-RU" sz="1600" dirty="0" smtClean="0">
+                <a:latin typeface="Bahnschrift Light SemiCondensed" pitchFamily="34" charset="0"/>
                 <a:cs typeface="Times New Roman" panose="02020603050405020304" pitchFamily="18" charset="0"/>
               </a:rPr>
               <a:t>Колледж</a:t>
@@ -3135,68 +3135,107 @@
           <a:p>
             <a:pPr algn="ctr"/>
             <a:endParaRPr lang="ru-RU" dirty="0" smtClean="0">
-              <a:latin typeface="Times New Roman" panose="02020603050405020304" pitchFamily="18" charset="0"/>
+              <a:latin typeface="Bahnschrift Light SemiCondensed" pitchFamily="34" charset="0"/>
               <a:cs typeface="Times New Roman" panose="02020603050405020304" pitchFamily="18" charset="0"/>
             </a:endParaRPr>
           </a:p>
           <a:p>
             <a:pPr algn="ctr"/>
-            <a:endParaRPr lang="ru-RU" dirty="0" smtClean="0"/>
+            <a:endParaRPr lang="ru-RU" dirty="0" smtClean="0">
+              <a:latin typeface="Bahnschrift Light SemiCondensed" pitchFamily="34" charset="0"/>
+            </a:endParaRPr>
           </a:p>
           <a:p>
             <a:pPr algn="ctr"/>
             <a:r>
-              <a:rPr lang="ru-RU" sz="2800" dirty="0" smtClean="0"/>
-              <a:t>ОТЧЕТ ПО УЧЕБНОЙ ПРАКТИКИ</a:t>
-            </a:r>
-            <a:r>
-              <a:rPr lang="en-US" sz="2800" dirty="0" smtClean="0"/>
+              <a:rPr lang="ru-RU" sz="2800" dirty="0" smtClean="0">
+                <a:latin typeface="Bahnschrift Light SemiCondensed" pitchFamily="34" charset="0"/>
+              </a:rPr>
+              <a:t>ОТЧЕТ ПО УЧЕБНОЙ </a:t>
+            </a:r>
+            <a:r>
+              <a:rPr lang="ru-RU" sz="2800" dirty="0" smtClean="0">
+                <a:latin typeface="Bahnschrift Light SemiCondensed" pitchFamily="34" charset="0"/>
+              </a:rPr>
+              <a:t>ПРАКТИКЕ</a:t>
+            </a:r>
+            <a:r>
+              <a:rPr lang="en-US" sz="2800" dirty="0" smtClean="0">
+                <a:latin typeface="Bahnschrift Light SemiCondensed" pitchFamily="34" charset="0"/>
+              </a:rPr>
               <a:t>:</a:t>
             </a:r>
+            <a:endParaRPr lang="en-US" sz="2800" dirty="0" smtClean="0">
+              <a:latin typeface="Bahnschrift Light SemiCondensed" pitchFamily="34" charset="0"/>
+            </a:endParaRPr>
           </a:p>
           <a:p>
             <a:pPr algn="ctr"/>
             <a:r>
-              <a:rPr lang="ru-RU" sz="2800" dirty="0"/>
+              <a:rPr lang="ru-RU" sz="2800" dirty="0">
+                <a:latin typeface="Bahnschrift Light SemiCondensed" pitchFamily="34" charset="0"/>
+              </a:rPr>
               <a:t>ПМ.02 Разработка, внедрение и адаптация программного обеспечения отраслевой направленности</a:t>
             </a:r>
           </a:p>
           <a:p>
             <a:pPr algn="ctr"/>
-            <a:endParaRPr lang="ru-RU" sz="2800" dirty="0"/>
+            <a:endParaRPr lang="ru-RU" sz="2800" dirty="0">
+              <a:latin typeface="Bahnschrift Light SemiCondensed" pitchFamily="34" charset="0"/>
+            </a:endParaRPr>
           </a:p>
           <a:p>
             <a:pPr algn="ctr"/>
-            <a:endParaRPr lang="ru-RU" sz="2800" dirty="0" smtClean="0"/>
+            <a:endParaRPr lang="ru-RU" sz="2800" dirty="0" smtClean="0">
+              <a:latin typeface="Bahnschrift Light SemiCondensed" pitchFamily="34" charset="0"/>
+            </a:endParaRPr>
           </a:p>
           <a:p>
             <a:pPr algn="r"/>
             <a:r>
               <a:rPr lang="ru-RU" sz="1600" dirty="0" smtClean="0">
-                <a:latin typeface="Times New Roman" panose="02020603050405020304" pitchFamily="18" charset="0"/>
+                <a:latin typeface="Bahnschrift Light SemiCondensed" pitchFamily="34" charset="0"/>
                 <a:cs typeface="Times New Roman" panose="02020603050405020304" pitchFamily="18" charset="0"/>
               </a:rPr>
               <a:t>Выполнил</a:t>
             </a:r>
             <a:r>
               <a:rPr lang="en-US" sz="1600" dirty="0" smtClean="0">
-                <a:latin typeface="Times New Roman" panose="02020603050405020304" pitchFamily="18" charset="0"/>
+                <a:latin typeface="Bahnschrift Light SemiCondensed" pitchFamily="34" charset="0"/>
                 <a:cs typeface="Times New Roman" panose="02020603050405020304" pitchFamily="18" charset="0"/>
               </a:rPr>
               <a:t>:</a:t>
             </a:r>
             <a:r>
               <a:rPr lang="ru-RU" sz="1600" dirty="0" smtClean="0">
-                <a:latin typeface="Times New Roman" panose="02020603050405020304" pitchFamily="18" charset="0"/>
+                <a:latin typeface="Bahnschrift Light SemiCondensed" pitchFamily="34" charset="0"/>
                 <a:cs typeface="Times New Roman" panose="02020603050405020304" pitchFamily="18" charset="0"/>
               </a:rPr>
-              <a:t> Сидоров Д.С.</a:t>
-            </a:r>
+              <a:t> </a:t>
+            </a:r>
+            <a:r>
+              <a:rPr lang="ru-RU" sz="1600" dirty="0" smtClean="0">
+                <a:latin typeface="Bahnschrift Light SemiCondensed" pitchFamily="34" charset="0"/>
+                <a:cs typeface="Times New Roman" panose="02020603050405020304" pitchFamily="18" charset="0"/>
+              </a:rPr>
+              <a:t>Устинов В.Д</a:t>
+            </a:r>
+            <a:r>
+              <a:rPr lang="ru-RU" sz="1600" dirty="0" smtClean="0">
+                <a:latin typeface="Bahnschrift Light SemiCondensed" pitchFamily="34" charset="0"/>
+                <a:cs typeface="Times New Roman" panose="02020603050405020304" pitchFamily="18" charset="0"/>
+              </a:rPr>
+              <a:t>.</a:t>
+            </a:r>
+            <a:endParaRPr lang="ru-RU" sz="1600" dirty="0" smtClean="0">
+              <a:latin typeface="Bahnschrift Light SemiCondensed" pitchFamily="34" charset="0"/>
+              <a:cs typeface="Times New Roman" panose="02020603050405020304" pitchFamily="18" charset="0"/>
+            </a:endParaRPr>
           </a:p>
           <a:p>
             <a:pPr algn="r"/>
             <a:endParaRPr lang="ru-RU" sz="1600" dirty="0">
-              <a:latin typeface="Times New Roman" panose="02020603050405020304" pitchFamily="18" charset="0"/>
+              <a:latin typeface="Bahnschrift Light SemiCondensed" pitchFamily="34" charset="0"/>
               <a:cs typeface="Times New Roman" panose="02020603050405020304" pitchFamily="18" charset="0"/>
             </a:endParaRPr>
           </a:p>
@@ -3204,28 +3243,28 @@
             <a:pPr algn="r"/>
             <a:r>
               <a:rPr lang="ru-RU" sz="1600" dirty="0" smtClean="0">
-                <a:latin typeface="Times New Roman" panose="02020603050405020304" pitchFamily="18" charset="0"/>
+                <a:latin typeface="Bahnschrift Light SemiCondensed" pitchFamily="34" charset="0"/>
                 <a:cs typeface="Times New Roman" panose="02020603050405020304" pitchFamily="18" charset="0"/>
               </a:rPr>
               <a:t>Руководитель</a:t>
             </a:r>
             <a:r>
               <a:rPr lang="en-US" sz="1600" dirty="0" smtClean="0">
-                <a:latin typeface="Times New Roman" panose="02020603050405020304" pitchFamily="18" charset="0"/>
+                <a:latin typeface="Bahnschrift Light SemiCondensed" pitchFamily="34" charset="0"/>
                 <a:cs typeface="Times New Roman" panose="02020603050405020304" pitchFamily="18" charset="0"/>
               </a:rPr>
               <a:t>: </a:t>
             </a:r>
             <a:r>
               <a:rPr lang="ru-RU" sz="1600" dirty="0" err="1" smtClean="0">
-                <a:latin typeface="Times New Roman" panose="02020603050405020304" pitchFamily="18" charset="0"/>
+                <a:latin typeface="Bahnschrift Light SemiCondensed" pitchFamily="34" charset="0"/>
                 <a:cs typeface="Times New Roman" panose="02020603050405020304" pitchFamily="18" charset="0"/>
               </a:rPr>
               <a:t>Пискаев</a:t>
             </a:r>
             <a:r>
               <a:rPr lang="ru-RU" sz="1600" dirty="0" smtClean="0">
-                <a:latin typeface="Times New Roman" panose="02020603050405020304" pitchFamily="18" charset="0"/>
+                <a:latin typeface="Bahnschrift Light SemiCondensed" pitchFamily="34" charset="0"/>
                 <a:cs typeface="Times New Roman" panose="02020603050405020304" pitchFamily="18" charset="0"/>
               </a:rPr>
               <a:t> Д.Е.</a:t>
@@ -3234,43 +3273,36 @@
           <a:p>
             <a:pPr algn="r"/>
             <a:endParaRPr lang="ru-RU" sz="1600" dirty="0">
-              <a:latin typeface="Times New Roman" panose="02020603050405020304" pitchFamily="18" charset="0"/>
+              <a:latin typeface="Bahnschrift Light SemiCondensed" pitchFamily="34" charset="0"/>
               <a:cs typeface="Times New Roman" panose="02020603050405020304" pitchFamily="18" charset="0"/>
             </a:endParaRPr>
           </a:p>
           <a:p>
             <a:pPr algn="r"/>
             <a:endParaRPr lang="ru-RU" sz="1600" dirty="0">
-              <a:latin typeface="Times New Roman" panose="02020603050405020304" pitchFamily="18" charset="0"/>
+              <a:latin typeface="Bahnschrift Light SemiCondensed" pitchFamily="34" charset="0"/>
               <a:cs typeface="Times New Roman" panose="02020603050405020304" pitchFamily="18" charset="0"/>
             </a:endParaRPr>
           </a:p>
           <a:p>
             <a:pPr algn="r"/>
             <a:endParaRPr lang="ru-RU" sz="1600" dirty="0" smtClean="0">
-              <a:latin typeface="Times New Roman" panose="02020603050405020304" pitchFamily="18" charset="0"/>
+              <a:latin typeface="Bahnschrift Light SemiCondensed" pitchFamily="34" charset="0"/>
               <a:cs typeface="Times New Roman" panose="02020603050405020304" pitchFamily="18" charset="0"/>
             </a:endParaRPr>
           </a:p>
           <a:p>
             <a:pPr algn="r"/>
-            <a:endParaRPr lang="ru-RU" sz="1600" dirty="0">
-              <a:latin typeface="Times New Roman" panose="02020603050405020304" pitchFamily="18" charset="0"/>
+            <a:endParaRPr lang="ru-RU" sz="1600" dirty="0" smtClean="0">
+              <a:latin typeface="Bahnschrift Light SemiCondensed" pitchFamily="34" charset="0"/>
               <a:cs typeface="Times New Roman" panose="02020603050405020304" pitchFamily="18" charset="0"/>
             </a:endParaRPr>
           </a:p>
           <a:p>
-            <a:pPr algn="r"/>
-            <a:endParaRPr lang="ru-RU" sz="1600" dirty="0" smtClean="0">
-              <a:latin typeface="Times New Roman" panose="02020603050405020304" pitchFamily="18" charset="0"/>
-              <a:cs typeface="Times New Roman" panose="02020603050405020304" pitchFamily="18" charset="0"/>
-            </a:endParaRPr>
-          </a:p>
-          <a:p>
             <a:pPr algn="ctr"/>
             <a:r>
               <a:rPr lang="ru-RU" sz="1600" dirty="0" smtClean="0">
-                <a:latin typeface="Times New Roman" panose="02020603050405020304" pitchFamily="18" charset="0"/>
+                <a:latin typeface="Bahnschrift Light SemiCondensed" pitchFamily="34" charset="0"/>
                 <a:cs typeface="Times New Roman" panose="02020603050405020304" pitchFamily="18" charset="0"/>
               </a:rPr>
               <a:t>Санкт-Петербург</a:t>
@@ -3280,13 +3312,13 @@
             <a:pPr algn="ctr"/>
             <a:r>
               <a:rPr lang="ru-RU" sz="1600" dirty="0" smtClean="0">
-                <a:latin typeface="Times New Roman" panose="02020603050405020304" pitchFamily="18" charset="0"/>
+                <a:latin typeface="Bahnschrift Light SemiCondensed" pitchFamily="34" charset="0"/>
                 <a:cs typeface="Times New Roman" panose="02020603050405020304" pitchFamily="18" charset="0"/>
               </a:rPr>
               <a:t>2022</a:t>
             </a:r>
             <a:endParaRPr lang="ru-RU" sz="1600" dirty="0">
-              <a:latin typeface="Times New Roman" panose="02020603050405020304" pitchFamily="18" charset="0"/>
+              <a:latin typeface="Bahnschrift Light SemiCondensed" pitchFamily="34" charset="0"/>
               <a:cs typeface="Times New Roman" panose="02020603050405020304" pitchFamily="18" charset="0"/>
             </a:endParaRPr>
           </a:p>
@@ -3353,13 +3385,13 @@
           <a:p>
             <a:r>
               <a:rPr lang="ru-RU" sz="2800" dirty="0" smtClean="0">
-                <a:latin typeface="Microsoft JhengHei Light" panose="020B0304030504040204" pitchFamily="34" charset="-120"/>
+                <a:latin typeface="Bahnschrift Light SemiCondensed" pitchFamily="34" charset="0"/>
                 <a:ea typeface="Microsoft JhengHei Light" panose="020B0304030504040204" pitchFamily="34" charset="-120"/>
               </a:rPr>
               <a:t>Итоговый Результат</a:t>
             </a:r>
             <a:endParaRPr lang="ru-RU" sz="2800" dirty="0">
-              <a:latin typeface="Microsoft JhengHei Light" panose="020B0304030504040204" pitchFamily="34" charset="-120"/>
+              <a:latin typeface="Bahnschrift Light SemiCondensed" pitchFamily="34" charset="0"/>
               <a:ea typeface="Microsoft JhengHei Light" panose="020B0304030504040204" pitchFamily="34" charset="-120"/>
             </a:endParaRPr>
           </a:p>
@@ -3389,92 +3421,25 @@
           <a:p>
             <a:r>
               <a:rPr lang="ru-RU" sz="2800" dirty="0" smtClean="0">
-                <a:latin typeface="Microsoft JhengHei Light" panose="020B0304030504040204" pitchFamily="34" charset="-120"/>
+                <a:latin typeface="Bahnschrift Light SemiCondensed" pitchFamily="34" charset="0"/>
                 <a:ea typeface="Microsoft JhengHei Light" panose="020B0304030504040204" pitchFamily="34" charset="-120"/>
               </a:rPr>
               <a:t>Макет </a:t>
             </a:r>
             <a:r>
               <a:rPr lang="en-US" sz="2800" dirty="0" err="1" smtClean="0">
-                <a:latin typeface="Microsoft JhengHei Light" panose="020B0304030504040204" pitchFamily="34" charset="-120"/>
+                <a:latin typeface="Bahnschrift Light SemiCondensed" pitchFamily="34" charset="0"/>
                 <a:ea typeface="Microsoft JhengHei Light" panose="020B0304030504040204" pitchFamily="34" charset="-120"/>
               </a:rPr>
               <a:t>Figma</a:t>
             </a:r>
             <a:endParaRPr lang="ru-RU" sz="2800" dirty="0">
-              <a:latin typeface="Microsoft JhengHei Light" panose="020B0304030504040204" pitchFamily="34" charset="-120"/>
+              <a:latin typeface="Bahnschrift Light SemiCondensed" pitchFamily="34" charset="0"/>
               <a:ea typeface="Microsoft JhengHei Light" panose="020B0304030504040204" pitchFamily="34" charset="-120"/>
             </a:endParaRPr>
           </a:p>
         </p:txBody>
       </p:sp>
-      <p:pic>
-        <p:nvPicPr>
-          <p:cNvPr id="6" name="Picture 2" descr="C:\Users\admin.SPBSEUVF\Desktop\CoffeeStyle.png"/>
-          <p:cNvPicPr>
-            <a:picLocks noChangeAspect="1" noChangeArrowheads="1"/>
-          </p:cNvPicPr>
-          <p:nvPr/>
-        </p:nvPicPr>
-        <p:blipFill rotWithShape="1">
-          <a:blip r:embed="rId2" cstate="print">
-            <a:extLst>
-              <a:ext uri="{28A0092B-C50C-407E-A947-70E740481C1C}">
-                <a14:useLocalDpi xmlns:a14="http://schemas.microsoft.com/office/drawing/2010/main" val="0"/>
-              </a:ext>
-            </a:extLst>
-          </a:blip>
-          <a:srcRect l="14192" t="59803" r="14192" b="32667"/>
-          <a:stretch/>
-        </p:blipFill>
-        <p:spPr bwMode="auto">
-          <a:xfrm>
-            <a:off x="4365969" y="1625670"/>
-            <a:ext cx="4788024" cy="2516337"/>
-          </a:xfrm>
-          <a:prstGeom prst="rect">
-            <a:avLst/>
-          </a:prstGeom>
-          <a:noFill/>
-          <a:extLst>
-            <a:ext uri="{909E8E84-426E-40DD-AFC4-6F175D3DCCD1}">
-              <a14:hiddenFill xmlns:a14="http://schemas.microsoft.com/office/drawing/2010/main">
-                <a:solidFill>
-                  <a:srgbClr val="FFFFFF"/>
-                </a:solidFill>
-              </a14:hiddenFill>
-            </a:ext>
-          </a:extLst>
-        </p:spPr>
-      </p:pic>
-      <p:pic>
-        <p:nvPicPr>
-          <p:cNvPr id="7" name="Рисунок 6"/>
-          <p:cNvPicPr/>
-          <p:nvPr/>
-        </p:nvPicPr>
-        <p:blipFill>
-          <a:blip r:embed="rId3">
-            <a:extLst>
-              <a:ext uri="{28A0092B-C50C-407E-A947-70E740481C1C}">
-                <a14:useLocalDpi xmlns:a14="http://schemas.microsoft.com/office/drawing/2010/main" val="0"/>
-              </a:ext>
-            </a:extLst>
-          </a:blip>
-          <a:stretch>
-            <a:fillRect/>
-          </a:stretch>
-        </p:blipFill>
-        <p:spPr>
-          <a:xfrm>
-            <a:off x="-4088" y="1576821"/>
-            <a:ext cx="4536504" cy="2804369"/>
-          </a:xfrm>
-          <a:prstGeom prst="rect">
-            <a:avLst/>
-          </a:prstGeom>
-        </p:spPr>
-      </p:pic>
     </p:spTree>
     <p:extLst>
       <p:ext uri="{BB962C8B-B14F-4D97-AF65-F5344CB8AC3E}">
@@ -3536,13 +3501,13 @@
           <a:p>
             <a:r>
               <a:rPr lang="ru-RU" sz="2800" dirty="0" smtClean="0">
-                <a:latin typeface="Microsoft JhengHei Light" panose="020B0304030504040204" pitchFamily="34" charset="-120"/>
+                <a:latin typeface="Bahnschrift Light SemiCondensed" pitchFamily="34" charset="0"/>
                 <a:ea typeface="Microsoft JhengHei Light" panose="020B0304030504040204" pitchFamily="34" charset="-120"/>
               </a:rPr>
               <a:t>Итоговый Результат</a:t>
             </a:r>
             <a:endParaRPr lang="ru-RU" sz="2800" dirty="0">
-              <a:latin typeface="Microsoft JhengHei Light" panose="020B0304030504040204" pitchFamily="34" charset="-120"/>
+              <a:latin typeface="Bahnschrift Light SemiCondensed" pitchFamily="34" charset="0"/>
               <a:ea typeface="Microsoft JhengHei Light" panose="020B0304030504040204" pitchFamily="34" charset="-120"/>
             </a:endParaRPr>
           </a:p>
@@ -3572,92 +3537,25 @@
           <a:p>
             <a:r>
               <a:rPr lang="ru-RU" sz="2800" dirty="0" smtClean="0">
-                <a:latin typeface="Microsoft JhengHei Light" panose="020B0304030504040204" pitchFamily="34" charset="-120"/>
+                <a:latin typeface="Bahnschrift Light SemiCondensed" pitchFamily="34" charset="0"/>
                 <a:ea typeface="Microsoft JhengHei Light" panose="020B0304030504040204" pitchFamily="34" charset="-120"/>
               </a:rPr>
               <a:t>Макет </a:t>
             </a:r>
             <a:r>
               <a:rPr lang="en-US" sz="2800" dirty="0" err="1" smtClean="0">
-                <a:latin typeface="Microsoft JhengHei Light" panose="020B0304030504040204" pitchFamily="34" charset="-120"/>
+                <a:latin typeface="Bahnschrift Light SemiCondensed" pitchFamily="34" charset="0"/>
                 <a:ea typeface="Microsoft JhengHei Light" panose="020B0304030504040204" pitchFamily="34" charset="-120"/>
               </a:rPr>
               <a:t>Figma</a:t>
             </a:r>
             <a:endParaRPr lang="ru-RU" sz="2800" dirty="0">
-              <a:latin typeface="Microsoft JhengHei Light" panose="020B0304030504040204" pitchFamily="34" charset="-120"/>
+              <a:latin typeface="Bahnschrift Light SemiCondensed" pitchFamily="34" charset="0"/>
               <a:ea typeface="Microsoft JhengHei Light" panose="020B0304030504040204" pitchFamily="34" charset="-120"/>
             </a:endParaRPr>
           </a:p>
         </p:txBody>
       </p:sp>
-      <p:pic>
-        <p:nvPicPr>
-          <p:cNvPr id="6" name="Picture 2" descr="C:\Users\admin.SPBSEUVF\Desktop\CoffeeStyle.png"/>
-          <p:cNvPicPr>
-            <a:picLocks noChangeAspect="1" noChangeArrowheads="1"/>
-          </p:cNvPicPr>
-          <p:nvPr/>
-        </p:nvPicPr>
-        <p:blipFill rotWithShape="1">
-          <a:blip r:embed="rId2" cstate="print">
-            <a:extLst>
-              <a:ext uri="{28A0092B-C50C-407E-A947-70E740481C1C}">
-                <a14:useLocalDpi xmlns:a14="http://schemas.microsoft.com/office/drawing/2010/main" val="0"/>
-              </a:ext>
-            </a:extLst>
-          </a:blip>
-          <a:srcRect l="16759" t="75395" r="14193" b="13104"/>
-          <a:stretch/>
-        </p:blipFill>
-        <p:spPr bwMode="auto">
-          <a:xfrm>
-            <a:off x="4527501" y="1628800"/>
-            <a:ext cx="4616499" cy="3843477"/>
-          </a:xfrm>
-          <a:prstGeom prst="rect">
-            <a:avLst/>
-          </a:prstGeom>
-          <a:noFill/>
-          <a:extLst>
-            <a:ext uri="{909E8E84-426E-40DD-AFC4-6F175D3DCCD1}">
-              <a14:hiddenFill xmlns:a14="http://schemas.microsoft.com/office/drawing/2010/main">
-                <a:solidFill>
-                  <a:srgbClr val="FFFFFF"/>
-                </a:solidFill>
-              </a14:hiddenFill>
-            </a:ext>
-          </a:extLst>
-        </p:spPr>
-      </p:pic>
-      <p:pic>
-        <p:nvPicPr>
-          <p:cNvPr id="8" name="Рисунок 7"/>
-          <p:cNvPicPr/>
-          <p:nvPr/>
-        </p:nvPicPr>
-        <p:blipFill>
-          <a:blip r:embed="rId3">
-            <a:extLst>
-              <a:ext uri="{28A0092B-C50C-407E-A947-70E740481C1C}">
-                <a14:useLocalDpi xmlns:a14="http://schemas.microsoft.com/office/drawing/2010/main" val="0"/>
-              </a:ext>
-            </a:extLst>
-          </a:blip>
-          <a:stretch>
-            <a:fillRect/>
-          </a:stretch>
-        </p:blipFill>
-        <p:spPr>
-          <a:xfrm>
-            <a:off x="-29259" y="1628800"/>
-            <a:ext cx="4556760" cy="3728720"/>
-          </a:xfrm>
-          <a:prstGeom prst="rect">
-            <a:avLst/>
-          </a:prstGeom>
-        </p:spPr>
-      </p:pic>
     </p:spTree>
     <p:extLst>
       <p:ext uri="{BB962C8B-B14F-4D97-AF65-F5344CB8AC3E}">
@@ -3719,13 +3617,13 @@
           <a:p>
             <a:r>
               <a:rPr lang="ru-RU" sz="2800" dirty="0" smtClean="0">
-                <a:latin typeface="Microsoft JhengHei Light" panose="020B0304030504040204" pitchFamily="34" charset="-120"/>
+                <a:latin typeface="Bahnschrift Light SemiCondensed" pitchFamily="34" charset="0"/>
                 <a:ea typeface="Microsoft JhengHei Light" panose="020B0304030504040204" pitchFamily="34" charset="-120"/>
               </a:rPr>
               <a:t>Итоговый Результат</a:t>
             </a:r>
             <a:endParaRPr lang="ru-RU" sz="2800" dirty="0">
-              <a:latin typeface="Microsoft JhengHei Light" panose="020B0304030504040204" pitchFamily="34" charset="-120"/>
+              <a:latin typeface="Bahnschrift Light SemiCondensed" pitchFamily="34" charset="0"/>
               <a:ea typeface="Microsoft JhengHei Light" panose="020B0304030504040204" pitchFamily="34" charset="-120"/>
             </a:endParaRPr>
           </a:p>
@@ -3755,118 +3653,25 @@
           <a:p>
             <a:r>
               <a:rPr lang="ru-RU" sz="2800" dirty="0" smtClean="0">
-                <a:latin typeface="Microsoft JhengHei Light" panose="020B0304030504040204" pitchFamily="34" charset="-120"/>
+                <a:latin typeface="Bahnschrift Light SemiCondensed" pitchFamily="34" charset="0"/>
                 <a:ea typeface="Microsoft JhengHei Light" panose="020B0304030504040204" pitchFamily="34" charset="-120"/>
               </a:rPr>
               <a:t>Макет </a:t>
             </a:r>
             <a:r>
               <a:rPr lang="en-US" sz="2800" dirty="0" err="1" smtClean="0">
-                <a:latin typeface="Microsoft JhengHei Light" panose="020B0304030504040204" pitchFamily="34" charset="-120"/>
+                <a:latin typeface="Bahnschrift Light SemiCondensed" pitchFamily="34" charset="0"/>
                 <a:ea typeface="Microsoft JhengHei Light" panose="020B0304030504040204" pitchFamily="34" charset="-120"/>
               </a:rPr>
               <a:t>Figma</a:t>
             </a:r>
             <a:endParaRPr lang="ru-RU" sz="2800" dirty="0">
-              <a:latin typeface="Microsoft JhengHei Light" panose="020B0304030504040204" pitchFamily="34" charset="-120"/>
+              <a:latin typeface="Bahnschrift Light SemiCondensed" pitchFamily="34" charset="0"/>
               <a:ea typeface="Microsoft JhengHei Light" panose="020B0304030504040204" pitchFamily="34" charset="-120"/>
             </a:endParaRPr>
           </a:p>
         </p:txBody>
       </p:sp>
-      <p:pic>
-        <p:nvPicPr>
-          <p:cNvPr id="6" name="Picture 2" descr="C:\Users\admin.SPBSEUVF\Desktop\CoffeeStyle.png"/>
-          <p:cNvPicPr>
-            <a:picLocks noChangeAspect="1" noChangeArrowheads="1"/>
-          </p:cNvPicPr>
-          <p:nvPr/>
-        </p:nvPicPr>
-        <p:blipFill rotWithShape="1">
-          <a:blip r:embed="rId2" cstate="print">
-            <a:extLst>
-              <a:ext uri="{28A0092B-C50C-407E-A947-70E740481C1C}">
-                <a14:useLocalDpi xmlns:a14="http://schemas.microsoft.com/office/drawing/2010/main" val="0"/>
-              </a:ext>
-            </a:extLst>
-          </a:blip>
-          <a:srcRect l="605" t="88276" r="601" b="223"/>
-          <a:stretch/>
-        </p:blipFill>
-        <p:spPr bwMode="auto">
-          <a:xfrm>
-            <a:off x="4526662" y="2132856"/>
-            <a:ext cx="4461623" cy="2596158"/>
-          </a:xfrm>
-          <a:prstGeom prst="rect">
-            <a:avLst/>
-          </a:prstGeom>
-          <a:noFill/>
-          <a:extLst>
-            <a:ext uri="{909E8E84-426E-40DD-AFC4-6F175D3DCCD1}">
-              <a14:hiddenFill xmlns:a14="http://schemas.microsoft.com/office/drawing/2010/main">
-                <a:solidFill>
-                  <a:srgbClr val="FFFFFF"/>
-                </a:solidFill>
-              </a14:hiddenFill>
-            </a:ext>
-          </a:extLst>
-        </p:spPr>
-      </p:pic>
-      <p:pic>
-        <p:nvPicPr>
-          <p:cNvPr id="3074" name="Picture 2"/>
-          <p:cNvPicPr>
-            <a:picLocks noChangeAspect="1" noChangeArrowheads="1"/>
-          </p:cNvPicPr>
-          <p:nvPr/>
-        </p:nvPicPr>
-        <p:blipFill>
-          <a:blip r:embed="rId3" cstate="print">
-            <a:extLst>
-              <a:ext uri="{28A0092B-C50C-407E-A947-70E740481C1C}">
-                <a14:useLocalDpi xmlns:a14="http://schemas.microsoft.com/office/drawing/2010/main" val="0"/>
-              </a:ext>
-            </a:extLst>
-          </a:blip>
-          <a:srcRect/>
-          <a:stretch>
-            <a:fillRect/>
-          </a:stretch>
-        </p:blipFill>
-        <p:spPr bwMode="auto">
-          <a:xfrm>
-            <a:off x="149458" y="2320616"/>
-            <a:ext cx="4176464" cy="2543947"/>
-          </a:xfrm>
-          <a:prstGeom prst="rect">
-            <a:avLst/>
-          </a:prstGeom>
-          <a:noFill/>
-          <a:ln>
-            <a:noFill/>
-          </a:ln>
-          <a:extLst>
-            <a:ext uri="{909E8E84-426E-40DD-AFC4-6F175D3DCCD1}">
-              <a14:hiddenFill xmlns:a14="http://schemas.microsoft.com/office/drawing/2010/main">
-                <a:solidFill>
-                  <a:schemeClr val="accent1"/>
-                </a:solidFill>
-              </a14:hiddenFill>
-            </a:ext>
-            <a:ext uri="{91240B29-F687-4F45-9708-019B960494DF}">
-              <a14:hiddenLine xmlns:a14="http://schemas.microsoft.com/office/drawing/2010/main" w="9525">
-                <a:solidFill>
-                  <a:schemeClr val="tx1"/>
-                </a:solidFill>
-                <a:miter lim="800000"/>
-                <a:headEnd/>
-                <a:tailEnd/>
-              </a14:hiddenLine>
-            </a:ext>
-          </a:extLst>
-        </p:spPr>
-      </p:pic>
       <p:sp>
         <p:nvSpPr>
           <p:cNvPr id="2" name="TextBox 1"/>
@@ -3891,26 +3696,28 @@
           <a:p>
             <a:r>
               <a:rPr lang="ru-RU" dirty="0">
-                <a:latin typeface="Microsoft JhengHei Light" panose="020B0304030504040204" pitchFamily="34" charset="-120"/>
+                <a:latin typeface="Bahnschrift Light SemiCondensed" pitchFamily="34" charset="0"/>
                 <a:ea typeface="Microsoft JhengHei Light" panose="020B0304030504040204" pitchFamily="34" charset="-120"/>
               </a:rPr>
               <a:t>Адрес сайта: </a:t>
             </a:r>
             <a:r>
               <a:rPr lang="ru-RU" u="sng" dirty="0">
-                <a:latin typeface="Microsoft JhengHei Light" panose="020B0304030504040204" pitchFamily="34" charset="-120"/>
+                <a:latin typeface="Bahnschrift Light SemiCondensed" pitchFamily="34" charset="0"/>
                 <a:ea typeface="Microsoft JhengHei Light" panose="020B0304030504040204" pitchFamily="34" charset="-120"/>
-                <a:hlinkClick r:id="rId4"/>
+                <a:hlinkClick r:id="rId2"/>
               </a:rPr>
               <a:t>http://f0684473.xsph.ru/</a:t>
             </a:r>
             <a:endParaRPr lang="ru-RU" dirty="0">
-              <a:latin typeface="Microsoft JhengHei Light" panose="020B0304030504040204" pitchFamily="34" charset="-120"/>
+              <a:latin typeface="Bahnschrift Light SemiCondensed" pitchFamily="34" charset="0"/>
               <a:ea typeface="Microsoft JhengHei Light" panose="020B0304030504040204" pitchFamily="34" charset="-120"/>
             </a:endParaRPr>
           </a:p>
           <a:p>
-            <a:endParaRPr lang="ru-RU" dirty="0"/>
+            <a:endParaRPr lang="ru-RU" dirty="0">
+              <a:latin typeface="Bahnschrift Light SemiCondensed" pitchFamily="34" charset="0"/>
+            </a:endParaRPr>
           </a:p>
         </p:txBody>
       </p:sp>
@@ -3973,13 +3780,13 @@
           <a:p>
             <a:r>
               <a:rPr lang="ru-RU" dirty="0" smtClean="0">
-                <a:latin typeface="Microsoft JhengHei Light" panose="020B0304030504040204" pitchFamily="34" charset="-120"/>
+                <a:latin typeface="Bahnschrift Light SemiCondensed" pitchFamily="34" charset="0"/>
                 <a:ea typeface="Microsoft JhengHei Light" panose="020B0304030504040204" pitchFamily="34" charset="-120"/>
               </a:rPr>
               <a:t>Спасибо за внимание</a:t>
             </a:r>
             <a:endParaRPr lang="ru-RU" dirty="0">
-              <a:latin typeface="Microsoft JhengHei Light" panose="020B0304030504040204" pitchFamily="34" charset="-120"/>
+              <a:latin typeface="Bahnschrift Light SemiCondensed" pitchFamily="34" charset="0"/>
               <a:ea typeface="Microsoft JhengHei Light" panose="020B0304030504040204" pitchFamily="34" charset="-120"/>
             </a:endParaRPr>
           </a:p>
@@ -4032,71 +3839,22 @@
           <a:p>
             <a:r>
               <a:rPr lang="ru-RU" dirty="0" smtClean="0">
-                <a:latin typeface="Microsoft JhengHei Light" panose="020B0304030504040204" pitchFamily="34" charset="-120"/>
+                <a:latin typeface="Bahnschrift Light SemiCondensed" pitchFamily="34" charset="0"/>
                 <a:ea typeface="Microsoft JhengHei Light" panose="020B0304030504040204" pitchFamily="34" charset="-120"/>
               </a:rPr>
-              <a:t>Размещение на </a:t>
-            </a:r>
-            <a:r>
-              <a:rPr lang="en-US" dirty="0" err="1" smtClean="0">
-                <a:latin typeface="Microsoft JhengHei Light" panose="020B0304030504040204" pitchFamily="34" charset="-120"/>
-                <a:ea typeface="Microsoft JhengHei Light" panose="020B0304030504040204" pitchFamily="34" charset="-120"/>
-              </a:rPr>
-              <a:t>Git</a:t>
-            </a:r>
-            <a:r>
-              <a:rPr lang="en-US" dirty="0" err="1">
-                <a:latin typeface="Microsoft JhengHei Light" panose="020B0304030504040204" pitchFamily="34" charset="-120"/>
-                <a:ea typeface="Microsoft JhengHei Light" panose="020B0304030504040204" pitchFamily="34" charset="-120"/>
-              </a:rPr>
-              <a:t>h</a:t>
-            </a:r>
-            <a:r>
-              <a:rPr lang="en-US" dirty="0" err="1" smtClean="0">
-                <a:latin typeface="Microsoft JhengHei Light" panose="020B0304030504040204" pitchFamily="34" charset="-120"/>
-                <a:ea typeface="Microsoft JhengHei Light" panose="020B0304030504040204" pitchFamily="34" charset="-120"/>
-              </a:rPr>
-              <a:t>ub</a:t>
+              <a:t>Размещение на хостинг</a:t>
             </a:r>
             <a:endParaRPr lang="ru-RU" dirty="0">
-              <a:latin typeface="Microsoft JhengHei Light" panose="020B0304030504040204" pitchFamily="34" charset="-120"/>
+              <a:latin typeface="Bahnschrift Light SemiCondensed" pitchFamily="34" charset="0"/>
               <a:ea typeface="Microsoft JhengHei Light" panose="020B0304030504040204" pitchFamily="34" charset="-120"/>
             </a:endParaRPr>
           </a:p>
         </p:txBody>
       </p:sp>
-      <p:pic>
-        <p:nvPicPr>
-          <p:cNvPr id="4" name="Рисунок 3"/>
-          <p:cNvPicPr/>
-          <p:nvPr/>
-        </p:nvPicPr>
-        <p:blipFill>
-          <a:blip r:embed="rId2" cstate="print">
-            <a:extLst>
-              <a:ext uri="{28A0092B-C50C-407E-A947-70E740481C1C}">
-                <a14:useLocalDpi xmlns:a14="http://schemas.microsoft.com/office/drawing/2010/main" val="0"/>
-              </a:ext>
-            </a:extLst>
-          </a:blip>
-          <a:stretch>
-            <a:fillRect/>
-          </a:stretch>
-        </p:blipFill>
-        <p:spPr>
-          <a:xfrm>
-            <a:off x="193593" y="1772816"/>
-            <a:ext cx="8712968" cy="3790683"/>
-          </a:xfrm>
-          <a:prstGeom prst="rect">
-            <a:avLst/>
-          </a:prstGeom>
-        </p:spPr>
-      </p:pic>
     </p:spTree>
     <p:extLst>
       <p:ext uri="{BB962C8B-B14F-4D97-AF65-F5344CB8AC3E}">
-        <p14:creationId xmlns:p14="http://schemas.microsoft.com/office/powerpoint/2010/main" val="2757834781"/>
+        <p14:creationId xmlns:p14="http://schemas.microsoft.com/office/powerpoint/2010/main" val="3052667576"/>
       </p:ext>
     </p:extLst>
   </p:cSld>
@@ -4147,50 +3905,43 @@
           <a:p>
             <a:r>
               <a:rPr lang="ru-RU" dirty="0" smtClean="0">
-                <a:latin typeface="Microsoft JhengHei Light" panose="020B0304030504040204" pitchFamily="34" charset="-120"/>
+                <a:latin typeface="Bahnschrift Light SemiCondensed" pitchFamily="34" charset="0"/>
                 <a:ea typeface="Microsoft JhengHei Light" panose="020B0304030504040204" pitchFamily="34" charset="-120"/>
               </a:rPr>
-              <a:t>Размещение на хостинг</a:t>
+              <a:t>Размещение на </a:t>
+            </a:r>
+            <a:r>
+              <a:rPr lang="en-US" dirty="0" err="1" smtClean="0">
+                <a:latin typeface="Bahnschrift Light SemiCondensed" pitchFamily="34" charset="0"/>
+                <a:ea typeface="Microsoft JhengHei Light" panose="020B0304030504040204" pitchFamily="34" charset="-120"/>
+              </a:rPr>
+              <a:t>Git</a:t>
+            </a:r>
+            <a:r>
+              <a:rPr lang="en-US" dirty="0" err="1">
+                <a:latin typeface="Bahnschrift Light SemiCondensed" pitchFamily="34" charset="0"/>
+                <a:ea typeface="Microsoft JhengHei Light" panose="020B0304030504040204" pitchFamily="34" charset="-120"/>
+              </a:rPr>
+              <a:t>h</a:t>
+            </a:r>
+            <a:r>
+              <a:rPr lang="en-US" dirty="0" err="1" smtClean="0">
+                <a:latin typeface="Bahnschrift Light SemiCondensed" pitchFamily="34" charset="0"/>
+                <a:ea typeface="Microsoft JhengHei Light" panose="020B0304030504040204" pitchFamily="34" charset="-120"/>
+              </a:rPr>
+              <a:t>ub</a:t>
             </a:r>
             <a:endParaRPr lang="ru-RU" dirty="0">
-              <a:latin typeface="Microsoft JhengHei Light" panose="020B0304030504040204" pitchFamily="34" charset="-120"/>
+              <a:latin typeface="Bahnschrift Light SemiCondensed" pitchFamily="34" charset="0"/>
               <a:ea typeface="Microsoft JhengHei Light" panose="020B0304030504040204" pitchFamily="34" charset="-120"/>
             </a:endParaRPr>
           </a:p>
         </p:txBody>
       </p:sp>
-      <p:pic>
-        <p:nvPicPr>
-          <p:cNvPr id="4" name="Рисунок 3"/>
-          <p:cNvPicPr/>
-          <p:nvPr/>
-        </p:nvPicPr>
-        <p:blipFill>
-          <a:blip r:embed="rId2">
-            <a:extLst>
-              <a:ext uri="{28A0092B-C50C-407E-A947-70E740481C1C}">
-                <a14:useLocalDpi xmlns:a14="http://schemas.microsoft.com/office/drawing/2010/main" val="0"/>
-              </a:ext>
-            </a:extLst>
-          </a:blip>
-          <a:stretch>
-            <a:fillRect/>
-          </a:stretch>
-        </p:blipFill>
-        <p:spPr>
-          <a:xfrm>
-            <a:off x="827584" y="1646278"/>
-            <a:ext cx="7704856" cy="4582393"/>
-          </a:xfrm>
-          <a:prstGeom prst="rect">
-            <a:avLst/>
-          </a:prstGeom>
-        </p:spPr>
-      </p:pic>
     </p:spTree>
     <p:extLst>
       <p:ext uri="{BB962C8B-B14F-4D97-AF65-F5344CB8AC3E}">
-        <p14:creationId xmlns:p14="http://schemas.microsoft.com/office/powerpoint/2010/main" val="3052667576"/>
+        <p14:creationId xmlns:p14="http://schemas.microsoft.com/office/powerpoint/2010/main" val="2757834781"/>
       </p:ext>
     </p:extLst>
   </p:cSld>
@@ -4248,66 +3999,25 @@
           <a:p>
             <a:r>
               <a:rPr lang="ru-RU" sz="2400" dirty="0" smtClean="0">
-                <a:latin typeface="Microsoft JhengHei Light" panose="020B0304030504040204" pitchFamily="34" charset="-120"/>
+                <a:latin typeface="Bahnschrift Light SemiCondensed" pitchFamily="34" charset="0"/>
                 <a:ea typeface="Microsoft JhengHei Light" panose="020B0304030504040204" pitchFamily="34" charset="-120"/>
               </a:rPr>
               <a:t>Макет </a:t>
             </a:r>
             <a:r>
               <a:rPr lang="en-US" sz="2400" dirty="0" err="1" smtClean="0">
-                <a:latin typeface="Microsoft JhengHei Light" panose="020B0304030504040204" pitchFamily="34" charset="-120"/>
+                <a:latin typeface="Bahnschrift Light SemiCondensed" pitchFamily="34" charset="0"/>
                 <a:ea typeface="Microsoft JhengHei Light" panose="020B0304030504040204" pitchFamily="34" charset="-120"/>
               </a:rPr>
               <a:t>Figma</a:t>
             </a:r>
             <a:endParaRPr lang="ru-RU" sz="2400" dirty="0">
-              <a:latin typeface="Microsoft JhengHei Light" panose="020B0304030504040204" pitchFamily="34" charset="-120"/>
+              <a:latin typeface="Bahnschrift Light SemiCondensed" pitchFamily="34" charset="0"/>
               <a:ea typeface="Microsoft JhengHei Light" panose="020B0304030504040204" pitchFamily="34" charset="-120"/>
             </a:endParaRPr>
           </a:p>
         </p:txBody>
       </p:sp>
-      <p:pic>
-        <p:nvPicPr>
-          <p:cNvPr id="4" name="Picture 2" descr="C:\Users\admin.SPBSEUVF\Desktop\CoffeeStyle.png"/>
-          <p:cNvPicPr>
-            <a:picLocks noChangeAspect="1" noChangeArrowheads="1"/>
-          </p:cNvPicPr>
-          <p:nvPr/>
-        </p:nvPicPr>
-        <p:blipFill>
-          <a:blip r:embed="rId2" cstate="print">
-            <a:extLst>
-              <a:ext uri="{28A0092B-C50C-407E-A947-70E740481C1C}">
-                <a14:useLocalDpi xmlns:a14="http://schemas.microsoft.com/office/drawing/2010/main" val="0"/>
-              </a:ext>
-            </a:extLst>
-          </a:blip>
-          <a:srcRect/>
-          <a:stretch>
-            <a:fillRect/>
-          </a:stretch>
-        </p:blipFill>
-        <p:spPr bwMode="auto">
-          <a:xfrm>
-            <a:off x="2339752" y="764704"/>
-            <a:ext cx="4204595" cy="18506056"/>
-          </a:xfrm>
-          <a:prstGeom prst="rect">
-            <a:avLst/>
-          </a:prstGeom>
-          <a:noFill/>
-          <a:extLst>
-            <a:ext uri="{909E8E84-426E-40DD-AFC4-6F175D3DCCD1}">
-              <a14:hiddenFill xmlns:a14="http://schemas.microsoft.com/office/drawing/2010/main">
-                <a:solidFill>
-                  <a:srgbClr val="FFFFFF"/>
-                </a:solidFill>
-              </a14:hiddenFill>
-            </a:ext>
-          </a:extLst>
-        </p:spPr>
-      </p:pic>
     </p:spTree>
     <p:extLst>
       <p:ext uri="{BB962C8B-B14F-4D97-AF65-F5344CB8AC3E}">
@@ -4345,85 +4055,6 @@
           <a:chExt cx="0" cy="0"/>
         </a:xfrm>
       </p:grpSpPr>
-      <p:sp>
-        <p:nvSpPr>
-          <p:cNvPr id="2" name="Заголовок 1"/>
-          <p:cNvSpPr>
-            <a:spLocks noGrp="1"/>
-          </p:cNvSpPr>
-          <p:nvPr>
-            <p:ph type="title"/>
-          </p:nvPr>
-        </p:nvSpPr>
-        <p:spPr/>
-        <p:txBody>
-          <a:bodyPr/>
-          <a:lstStyle/>
-          <a:p>
-            <a:endParaRPr lang="ru-RU"/>
-          </a:p>
-        </p:txBody>
-      </p:sp>
-      <p:sp>
-        <p:nvSpPr>
-          <p:cNvPr id="3" name="Объект 2"/>
-          <p:cNvSpPr>
-            <a:spLocks noGrp="1"/>
-          </p:cNvSpPr>
-          <p:nvPr>
-            <p:ph idx="1"/>
-          </p:nvPr>
-        </p:nvSpPr>
-        <p:spPr/>
-        <p:txBody>
-          <a:bodyPr/>
-          <a:lstStyle/>
-          <a:p>
-            <a:endParaRPr lang="ru-RU"/>
-          </a:p>
-        </p:txBody>
-      </p:sp>
-      <p:pic>
-        <p:nvPicPr>
-          <p:cNvPr id="4" name="Picture 2" descr="C:\Users\admin.SPBSEUVF\Desktop\CoffeeStyle.png"/>
-          <p:cNvPicPr>
-            <a:picLocks noChangeAspect="1" noChangeArrowheads="1"/>
-          </p:cNvPicPr>
-          <p:nvPr/>
-        </p:nvPicPr>
-        <p:blipFill>
-          <a:blip r:embed="rId2" cstate="print">
-            <a:extLst>
-              <a:ext uri="{28A0092B-C50C-407E-A947-70E740481C1C}">
-                <a14:useLocalDpi xmlns:a14="http://schemas.microsoft.com/office/drawing/2010/main" val="0"/>
-              </a:ext>
-            </a:extLst>
-          </a:blip>
-          <a:srcRect/>
-          <a:stretch>
-            <a:fillRect/>
-          </a:stretch>
-        </p:blipFill>
-        <p:spPr bwMode="auto">
-          <a:xfrm>
-            <a:off x="2346836" y="-5355976"/>
-            <a:ext cx="4204595" cy="18506056"/>
-          </a:xfrm>
-          <a:prstGeom prst="rect">
-            <a:avLst/>
-          </a:prstGeom>
-          <a:noFill/>
-          <a:extLst>
-            <a:ext uri="{909E8E84-426E-40DD-AFC4-6F175D3DCCD1}">
-              <a14:hiddenFill xmlns:a14="http://schemas.microsoft.com/office/drawing/2010/main">
-                <a:solidFill>
-                  <a:srgbClr val="FFFFFF"/>
-                </a:solidFill>
-              </a14:hiddenFill>
-            </a:ext>
-          </a:extLst>
-        </p:spPr>
-      </p:pic>
     </p:spTree>
     <p:extLst>
       <p:ext uri="{BB962C8B-B14F-4D97-AF65-F5344CB8AC3E}">
@@ -4461,85 +4092,6 @@
           <a:chExt cx="0" cy="0"/>
         </a:xfrm>
       </p:grpSpPr>
-      <p:sp>
-        <p:nvSpPr>
-          <p:cNvPr id="2" name="Заголовок 1"/>
-          <p:cNvSpPr>
-            <a:spLocks noGrp="1"/>
-          </p:cNvSpPr>
-          <p:nvPr>
-            <p:ph type="title"/>
-          </p:nvPr>
-        </p:nvSpPr>
-        <p:spPr/>
-        <p:txBody>
-          <a:bodyPr/>
-          <a:lstStyle/>
-          <a:p>
-            <a:endParaRPr lang="ru-RU"/>
-          </a:p>
-        </p:txBody>
-      </p:sp>
-      <p:sp>
-        <p:nvSpPr>
-          <p:cNvPr id="3" name="Объект 2"/>
-          <p:cNvSpPr>
-            <a:spLocks noGrp="1"/>
-          </p:cNvSpPr>
-          <p:nvPr>
-            <p:ph idx="1"/>
-          </p:nvPr>
-        </p:nvSpPr>
-        <p:spPr/>
-        <p:txBody>
-          <a:bodyPr/>
-          <a:lstStyle/>
-          <a:p>
-            <a:endParaRPr lang="ru-RU" dirty="0"/>
-          </a:p>
-        </p:txBody>
-      </p:sp>
-      <p:pic>
-        <p:nvPicPr>
-          <p:cNvPr id="4" name="Picture 2" descr="C:\Users\admin.SPBSEUVF\Desktop\CoffeeStyle.png"/>
-          <p:cNvPicPr>
-            <a:picLocks noChangeAspect="1" noChangeArrowheads="1"/>
-          </p:cNvPicPr>
-          <p:nvPr/>
-        </p:nvPicPr>
-        <p:blipFill>
-          <a:blip r:embed="rId2" cstate="print">
-            <a:extLst>
-              <a:ext uri="{28A0092B-C50C-407E-A947-70E740481C1C}">
-                <a14:useLocalDpi xmlns:a14="http://schemas.microsoft.com/office/drawing/2010/main" val="0"/>
-              </a:ext>
-            </a:extLst>
-          </a:blip>
-          <a:srcRect/>
-          <a:stretch>
-            <a:fillRect/>
-          </a:stretch>
-        </p:blipFill>
-        <p:spPr bwMode="auto">
-          <a:xfrm>
-            <a:off x="2328769" y="-12124728"/>
-            <a:ext cx="4204595" cy="18506056"/>
-          </a:xfrm>
-          <a:prstGeom prst="rect">
-            <a:avLst/>
-          </a:prstGeom>
-          <a:noFill/>
-          <a:extLst>
-            <a:ext uri="{909E8E84-426E-40DD-AFC4-6F175D3DCCD1}">
-              <a14:hiddenFill xmlns:a14="http://schemas.microsoft.com/office/drawing/2010/main">
-                <a:solidFill>
-                  <a:srgbClr val="FFFFFF"/>
-                </a:solidFill>
-              </a14:hiddenFill>
-            </a:ext>
-          </a:extLst>
-        </p:spPr>
-      </p:pic>
     </p:spTree>
     <p:extLst>
       <p:ext uri="{BB962C8B-B14F-4D97-AF65-F5344CB8AC3E}">
@@ -4601,13 +4153,13 @@
           <a:p>
             <a:r>
               <a:rPr lang="ru-RU" sz="2800" dirty="0" smtClean="0">
-                <a:latin typeface="Microsoft JhengHei Light" panose="020B0304030504040204" pitchFamily="34" charset="-120"/>
+                <a:latin typeface="Bahnschrift Light SemiCondensed" pitchFamily="34" charset="0"/>
                 <a:ea typeface="Microsoft JhengHei Light" panose="020B0304030504040204" pitchFamily="34" charset="-120"/>
               </a:rPr>
               <a:t>Итоговый Результат</a:t>
             </a:r>
             <a:endParaRPr lang="ru-RU" sz="2800" dirty="0">
-              <a:latin typeface="Microsoft JhengHei Light" panose="020B0304030504040204" pitchFamily="34" charset="-120"/>
+              <a:latin typeface="Bahnschrift Light SemiCondensed" pitchFamily="34" charset="0"/>
               <a:ea typeface="Microsoft JhengHei Light" panose="020B0304030504040204" pitchFamily="34" charset="-120"/>
             </a:endParaRPr>
           </a:p>
@@ -4637,92 +4189,25 @@
           <a:p>
             <a:r>
               <a:rPr lang="ru-RU" sz="2800" dirty="0" smtClean="0">
-                <a:latin typeface="Microsoft JhengHei Light" panose="020B0304030504040204" pitchFamily="34" charset="-120"/>
+                <a:latin typeface="Bahnschrift Light SemiCondensed" pitchFamily="34" charset="0"/>
                 <a:ea typeface="Microsoft JhengHei Light" panose="020B0304030504040204" pitchFamily="34" charset="-120"/>
               </a:rPr>
               <a:t>Макет </a:t>
             </a:r>
             <a:r>
               <a:rPr lang="en-US" sz="2800" dirty="0" err="1" smtClean="0">
-                <a:latin typeface="Microsoft JhengHei Light" panose="020B0304030504040204" pitchFamily="34" charset="-120"/>
+                <a:latin typeface="Bahnschrift Light SemiCondensed" pitchFamily="34" charset="0"/>
                 <a:ea typeface="Microsoft JhengHei Light" panose="020B0304030504040204" pitchFamily="34" charset="-120"/>
               </a:rPr>
               <a:t>Figma</a:t>
             </a:r>
             <a:endParaRPr lang="ru-RU" sz="2800" dirty="0">
-              <a:latin typeface="Microsoft JhengHei Light" panose="020B0304030504040204" pitchFamily="34" charset="-120"/>
+              <a:latin typeface="Bahnschrift Light SemiCondensed" pitchFamily="34" charset="0"/>
               <a:ea typeface="Microsoft JhengHei Light" panose="020B0304030504040204" pitchFamily="34" charset="-120"/>
             </a:endParaRPr>
           </a:p>
         </p:txBody>
       </p:sp>
-      <p:pic>
-        <p:nvPicPr>
-          <p:cNvPr id="6" name="Рисунок 5"/>
-          <p:cNvPicPr/>
-          <p:nvPr/>
-        </p:nvPicPr>
-        <p:blipFill>
-          <a:blip r:embed="rId2" cstate="print">
-            <a:extLst>
-              <a:ext uri="{28A0092B-C50C-407E-A947-70E740481C1C}">
-                <a14:useLocalDpi xmlns:a14="http://schemas.microsoft.com/office/drawing/2010/main" val="0"/>
-              </a:ext>
-            </a:extLst>
-          </a:blip>
-          <a:stretch>
-            <a:fillRect/>
-          </a:stretch>
-        </p:blipFill>
-        <p:spPr>
-          <a:xfrm>
-            <a:off x="-16438" y="1415725"/>
-            <a:ext cx="4504092" cy="3240360"/>
-          </a:xfrm>
-          <a:prstGeom prst="rect">
-            <a:avLst/>
-          </a:prstGeom>
-        </p:spPr>
-      </p:pic>
-      <p:pic>
-        <p:nvPicPr>
-          <p:cNvPr id="7" name="Picture 2" descr="C:\Users\admin.SPBSEUVF\Desktop\CoffeeStyle.png"/>
-          <p:cNvPicPr>
-            <a:picLocks noChangeAspect="1" noChangeArrowheads="1"/>
-          </p:cNvPicPr>
-          <p:nvPr/>
-        </p:nvPicPr>
-        <p:blipFill rotWithShape="1">
-          <a:blip r:embed="rId3" cstate="print">
-            <a:extLst>
-              <a:ext uri="{28A0092B-C50C-407E-A947-70E740481C1C}">
-                <a14:useLocalDpi xmlns:a14="http://schemas.microsoft.com/office/drawing/2010/main" val="0"/>
-              </a:ext>
-            </a:extLst>
-          </a:blip>
-          <a:srcRect b="83628"/>
-          <a:stretch/>
-        </p:blipFill>
-        <p:spPr bwMode="auto">
-          <a:xfrm>
-            <a:off x="4351876" y="1407011"/>
-            <a:ext cx="4792124" cy="3453201"/>
-          </a:xfrm>
-          <a:prstGeom prst="rect">
-            <a:avLst/>
-          </a:prstGeom>
-          <a:noFill/>
-          <a:extLst>
-            <a:ext uri="{909E8E84-426E-40DD-AFC4-6F175D3DCCD1}">
-              <a14:hiddenFill xmlns:a14="http://schemas.microsoft.com/office/drawing/2010/main">
-                <a:solidFill>
-                  <a:srgbClr val="FFFFFF"/>
-                </a:solidFill>
-              </a14:hiddenFill>
-            </a:ext>
-          </a:extLst>
-        </p:spPr>
-      </p:pic>
     </p:spTree>
     <p:extLst>
       <p:ext uri="{BB962C8B-B14F-4D97-AF65-F5344CB8AC3E}">
@@ -4784,13 +4269,13 @@
           <a:p>
             <a:r>
               <a:rPr lang="ru-RU" sz="2800" dirty="0" smtClean="0">
-                <a:latin typeface="Microsoft JhengHei Light" panose="020B0304030504040204" pitchFamily="34" charset="-120"/>
+                <a:latin typeface="Bahnschrift Light SemiCondensed" pitchFamily="34" charset="0"/>
                 <a:ea typeface="Microsoft JhengHei Light" panose="020B0304030504040204" pitchFamily="34" charset="-120"/>
               </a:rPr>
               <a:t>Итоговый Результат</a:t>
             </a:r>
             <a:endParaRPr lang="ru-RU" sz="2800" dirty="0">
-              <a:latin typeface="Microsoft JhengHei Light" panose="020B0304030504040204" pitchFamily="34" charset="-120"/>
+              <a:latin typeface="Bahnschrift Light SemiCondensed" pitchFamily="34" charset="0"/>
               <a:ea typeface="Microsoft JhengHei Light" panose="020B0304030504040204" pitchFamily="34" charset="-120"/>
             </a:endParaRPr>
           </a:p>
@@ -4820,118 +4305,25 @@
           <a:p>
             <a:r>
               <a:rPr lang="ru-RU" sz="2800" dirty="0" smtClean="0">
-                <a:latin typeface="Microsoft JhengHei Light" panose="020B0304030504040204" pitchFamily="34" charset="-120"/>
+                <a:latin typeface="Bahnschrift Light SemiCondensed" pitchFamily="34" charset="0"/>
                 <a:ea typeface="Microsoft JhengHei Light" panose="020B0304030504040204" pitchFamily="34" charset="-120"/>
               </a:rPr>
               <a:t>Макет </a:t>
             </a:r>
             <a:r>
               <a:rPr lang="en-US" sz="2800" dirty="0" err="1" smtClean="0">
-                <a:latin typeface="Microsoft JhengHei Light" panose="020B0304030504040204" pitchFamily="34" charset="-120"/>
+                <a:latin typeface="Bahnschrift Light SemiCondensed" pitchFamily="34" charset="0"/>
                 <a:ea typeface="Microsoft JhengHei Light" panose="020B0304030504040204" pitchFamily="34" charset="-120"/>
               </a:rPr>
               <a:t>Figma</a:t>
             </a:r>
             <a:endParaRPr lang="ru-RU" sz="2800" dirty="0">
-              <a:latin typeface="Microsoft JhengHei Light" panose="020B0304030504040204" pitchFamily="34" charset="-120"/>
+              <a:latin typeface="Bahnschrift Light SemiCondensed" pitchFamily="34" charset="0"/>
               <a:ea typeface="Microsoft JhengHei Light" panose="020B0304030504040204" pitchFamily="34" charset="-120"/>
             </a:endParaRPr>
           </a:p>
         </p:txBody>
       </p:sp>
-      <p:pic>
-        <p:nvPicPr>
-          <p:cNvPr id="1026" name="Picture 2"/>
-          <p:cNvPicPr>
-            <a:picLocks noChangeAspect="1" noChangeArrowheads="1"/>
-          </p:cNvPicPr>
-          <p:nvPr/>
-        </p:nvPicPr>
-        <p:blipFill>
-          <a:blip r:embed="rId2">
-            <a:extLst>
-              <a:ext uri="{28A0092B-C50C-407E-A947-70E740481C1C}">
-                <a14:useLocalDpi xmlns:a14="http://schemas.microsoft.com/office/drawing/2010/main" val="0"/>
-              </a:ext>
-            </a:extLst>
-          </a:blip>
-          <a:srcRect/>
-          <a:stretch>
-            <a:fillRect/>
-          </a:stretch>
-        </p:blipFill>
-        <p:spPr bwMode="auto">
-          <a:xfrm>
-            <a:off x="0" y="1628800"/>
-            <a:ext cx="4268756" cy="3312368"/>
-          </a:xfrm>
-          <a:prstGeom prst="rect">
-            <a:avLst/>
-          </a:prstGeom>
-          <a:noFill/>
-          <a:ln>
-            <a:noFill/>
-          </a:ln>
-          <a:extLst>
-            <a:ext uri="{909E8E84-426E-40DD-AFC4-6F175D3DCCD1}">
-              <a14:hiddenFill xmlns:a14="http://schemas.microsoft.com/office/drawing/2010/main">
-                <a:solidFill>
-                  <a:schemeClr val="accent1"/>
-                </a:solidFill>
-              </a14:hiddenFill>
-            </a:ext>
-            <a:ext uri="{91240B29-F687-4F45-9708-019B960494DF}">
-              <a14:hiddenLine xmlns:a14="http://schemas.microsoft.com/office/drawing/2010/main" w="9525">
-                <a:solidFill>
-                  <a:schemeClr val="tx1"/>
-                </a:solidFill>
-                <a:miter lim="800000"/>
-                <a:headEnd/>
-                <a:tailEnd/>
-              </a14:hiddenLine>
-            </a:ext>
-          </a:extLst>
-        </p:spPr>
-      </p:pic>
-      <p:pic>
-        <p:nvPicPr>
-          <p:cNvPr id="6" name="Picture 2" descr="C:\Users\admin.SPBSEUVF\Desktop\CoffeeStyle.png"/>
-          <p:cNvPicPr>
-            <a:picLocks noChangeAspect="1" noChangeArrowheads="1"/>
-          </p:cNvPicPr>
-          <p:nvPr/>
-        </p:nvPicPr>
-        <p:blipFill rotWithShape="1">
-          <a:blip r:embed="rId3" cstate="print">
-            <a:extLst>
-              <a:ext uri="{28A0092B-C50C-407E-A947-70E740481C1C}">
-                <a14:useLocalDpi xmlns:a14="http://schemas.microsoft.com/office/drawing/2010/main" val="0"/>
-              </a:ext>
-            </a:extLst>
-          </a:blip>
-          <a:srcRect l="5229" t="16769" r="6024" b="69534"/>
-          <a:stretch/>
-        </p:blipFill>
-        <p:spPr bwMode="auto">
-          <a:xfrm>
-            <a:off x="4268756" y="1628800"/>
-            <a:ext cx="5312855" cy="3609024"/>
-          </a:xfrm>
-          <a:prstGeom prst="rect">
-            <a:avLst/>
-          </a:prstGeom>
-          <a:noFill/>
-          <a:extLst>
-            <a:ext uri="{909E8E84-426E-40DD-AFC4-6F175D3DCCD1}">
-              <a14:hiddenFill xmlns:a14="http://schemas.microsoft.com/office/drawing/2010/main">
-                <a:solidFill>
-                  <a:srgbClr val="FFFFFF"/>
-                </a:solidFill>
-              </a14:hiddenFill>
-            </a:ext>
-          </a:extLst>
-        </p:spPr>
-      </p:pic>
     </p:spTree>
     <p:extLst>
       <p:ext uri="{BB962C8B-B14F-4D97-AF65-F5344CB8AC3E}">
@@ -4993,13 +4385,13 @@
           <a:p>
             <a:r>
               <a:rPr lang="ru-RU" sz="2800" dirty="0" smtClean="0">
-                <a:latin typeface="Microsoft JhengHei Light" panose="020B0304030504040204" pitchFamily="34" charset="-120"/>
+                <a:latin typeface="Bahnschrift Light SemiCondensed" pitchFamily="34" charset="0"/>
                 <a:ea typeface="Microsoft JhengHei Light" panose="020B0304030504040204" pitchFamily="34" charset="-120"/>
               </a:rPr>
               <a:t>Итоговый Результат</a:t>
             </a:r>
             <a:endParaRPr lang="ru-RU" sz="2800" dirty="0">
-              <a:latin typeface="Microsoft JhengHei Light" panose="020B0304030504040204" pitchFamily="34" charset="-120"/>
+              <a:latin typeface="Bahnschrift Light SemiCondensed" pitchFamily="34" charset="0"/>
               <a:ea typeface="Microsoft JhengHei Light" panose="020B0304030504040204" pitchFamily="34" charset="-120"/>
             </a:endParaRPr>
           </a:p>
@@ -5029,118 +4421,25 @@
           <a:p>
             <a:r>
               <a:rPr lang="ru-RU" sz="2800" dirty="0" smtClean="0">
-                <a:latin typeface="Microsoft JhengHei Light" panose="020B0304030504040204" pitchFamily="34" charset="-120"/>
+                <a:latin typeface="Bahnschrift Light SemiCondensed" pitchFamily="34" charset="0"/>
                 <a:ea typeface="Microsoft JhengHei Light" panose="020B0304030504040204" pitchFamily="34" charset="-120"/>
               </a:rPr>
               <a:t>Макет </a:t>
             </a:r>
             <a:r>
               <a:rPr lang="en-US" sz="2800" dirty="0" err="1" smtClean="0">
-                <a:latin typeface="Microsoft JhengHei Light" panose="020B0304030504040204" pitchFamily="34" charset="-120"/>
+                <a:latin typeface="Bahnschrift Light SemiCondensed" pitchFamily="34" charset="0"/>
                 <a:ea typeface="Microsoft JhengHei Light" panose="020B0304030504040204" pitchFamily="34" charset="-120"/>
               </a:rPr>
               <a:t>Figma</a:t>
             </a:r>
             <a:endParaRPr lang="ru-RU" sz="2800" dirty="0">
-              <a:latin typeface="Microsoft JhengHei Light" panose="020B0304030504040204" pitchFamily="34" charset="-120"/>
+              <a:latin typeface="Bahnschrift Light SemiCondensed" pitchFamily="34" charset="0"/>
               <a:ea typeface="Microsoft JhengHei Light" panose="020B0304030504040204" pitchFamily="34" charset="-120"/>
             </a:endParaRPr>
           </a:p>
         </p:txBody>
       </p:sp>
-      <p:pic>
-        <p:nvPicPr>
-          <p:cNvPr id="6" name="Picture 2" descr="C:\Users\admin.SPBSEUVF\Desktop\CoffeeStyle.png"/>
-          <p:cNvPicPr>
-            <a:picLocks noChangeAspect="1" noChangeArrowheads="1"/>
-          </p:cNvPicPr>
-          <p:nvPr/>
-        </p:nvPicPr>
-        <p:blipFill rotWithShape="1">
-          <a:blip r:embed="rId2" cstate="print">
-            <a:extLst>
-              <a:ext uri="{28A0092B-C50C-407E-A947-70E740481C1C}">
-                <a14:useLocalDpi xmlns:a14="http://schemas.microsoft.com/office/drawing/2010/main" val="0"/>
-              </a:ext>
-            </a:extLst>
-          </a:blip>
-          <a:srcRect l="15482" t="30617" r="12901" b="41222"/>
-          <a:stretch/>
-        </p:blipFill>
-        <p:spPr bwMode="auto">
-          <a:xfrm>
-            <a:off x="4932040" y="902364"/>
-            <a:ext cx="3355405" cy="5807379"/>
-          </a:xfrm>
-          <a:prstGeom prst="rect">
-            <a:avLst/>
-          </a:prstGeom>
-          <a:noFill/>
-          <a:extLst>
-            <a:ext uri="{909E8E84-426E-40DD-AFC4-6F175D3DCCD1}">
-              <a14:hiddenFill xmlns:a14="http://schemas.microsoft.com/office/drawing/2010/main">
-                <a:solidFill>
-                  <a:srgbClr val="FFFFFF"/>
-                </a:solidFill>
-              </a14:hiddenFill>
-            </a:ext>
-          </a:extLst>
-        </p:spPr>
-      </p:pic>
-      <p:pic>
-        <p:nvPicPr>
-          <p:cNvPr id="2050" name="Picture 2"/>
-          <p:cNvPicPr>
-            <a:picLocks noChangeAspect="1" noChangeArrowheads="1"/>
-          </p:cNvPicPr>
-          <p:nvPr/>
-        </p:nvPicPr>
-        <p:blipFill>
-          <a:blip r:embed="rId3">
-            <a:extLst>
-              <a:ext uri="{28A0092B-C50C-407E-A947-70E740481C1C}">
-                <a14:useLocalDpi xmlns:a14="http://schemas.microsoft.com/office/drawing/2010/main" val="0"/>
-              </a:ext>
-            </a:extLst>
-          </a:blip>
-          <a:srcRect/>
-          <a:stretch>
-            <a:fillRect/>
-          </a:stretch>
-        </p:blipFill>
-        <p:spPr bwMode="auto">
-          <a:xfrm>
-            <a:off x="497598" y="902364"/>
-            <a:ext cx="3096344" cy="5510867"/>
-          </a:xfrm>
-          <a:prstGeom prst="rect">
-            <a:avLst/>
-          </a:prstGeom>
-          <a:noFill/>
-          <a:ln>
-            <a:noFill/>
-          </a:ln>
-          <a:extLst>
-            <a:ext uri="{909E8E84-426E-40DD-AFC4-6F175D3DCCD1}">
-              <a14:hiddenFill xmlns:a14="http://schemas.microsoft.com/office/drawing/2010/main">
-                <a:solidFill>
-                  <a:schemeClr val="accent1"/>
-                </a:solidFill>
-              </a14:hiddenFill>
-            </a:ext>
-            <a:ext uri="{91240B29-F687-4F45-9708-019B960494DF}">
-              <a14:hiddenLine xmlns:a14="http://schemas.microsoft.com/office/drawing/2010/main" w="9525">
-                <a:solidFill>
-                  <a:schemeClr val="tx1"/>
-                </a:solidFill>
-                <a:miter lim="800000"/>
-                <a:headEnd/>
-                <a:tailEnd/>
-              </a14:hiddenLine>
-            </a:ext>
-          </a:extLst>
-        </p:spPr>
-      </p:pic>
     </p:spTree>
     <p:extLst>
       <p:ext uri="{BB962C8B-B14F-4D97-AF65-F5344CB8AC3E}">

--- a/Устинов Владислав С7120Б/презентация.pptx
+++ b/Устинов Владислав С7120Б/презентация.pptx
@@ -17,7 +17,10 @@
     <p:sldId id="265" r:id="rId11"/>
     <p:sldId id="267" r:id="rId12"/>
     <p:sldId id="269" r:id="rId13"/>
-    <p:sldId id="270" r:id="rId14"/>
+    <p:sldId id="271" r:id="rId14"/>
+    <p:sldId id="272" r:id="rId15"/>
+    <p:sldId id="273" r:id="rId16"/>
+    <p:sldId id="270" r:id="rId17"/>
   </p:sldIdLst>
   <p:sldSz cx="9144000" cy="6858000" type="screen4x3"/>
   <p:notesSz cx="6858000" cy="9144000"/>
@@ -3055,7 +3058,7 @@
         </p:nvSpPr>
         <p:spPr>
           <a:xfrm>
-            <a:off x="0" y="188640"/>
+            <a:off x="0" y="0"/>
             <a:ext cx="9144000" cy="6986528"/>
           </a:xfrm>
           <a:prstGeom prst="rect">
@@ -3072,7 +3075,6 @@
             <a:pPr algn="ctr"/>
             <a:r>
               <a:rPr lang="ru-RU" sz="1600" dirty="0" smtClean="0">
-                <a:latin typeface="Bahnschrift Light SemiCondensed" pitchFamily="34" charset="0"/>
                 <a:cs typeface="Times New Roman" panose="02020603050405020304" pitchFamily="18" charset="0"/>
               </a:rPr>
               <a:t>Государственное автономное образовательное учреждение высшего образования</a:t>
@@ -3082,7 +3084,6 @@
             <a:pPr algn="ctr"/>
             <a:r>
               <a:rPr lang="ru-RU" sz="1600" dirty="0" smtClean="0">
-                <a:latin typeface="Bahnschrift Light SemiCondensed" pitchFamily="34" charset="0"/>
                 <a:cs typeface="Times New Roman" panose="02020603050405020304" pitchFamily="18" charset="0"/>
               </a:rPr>
               <a:t>Ленинградской области</a:t>
@@ -3092,7 +3093,6 @@
             <a:pPr algn="ctr"/>
             <a:r>
               <a:rPr lang="ru-RU" sz="1600" b="1" dirty="0" smtClean="0">
-                <a:latin typeface="Bahnschrift Light SemiCondensed" pitchFamily="34" charset="0"/>
                 <a:cs typeface="Times New Roman" panose="02020603050405020304" pitchFamily="18" charset="0"/>
               </a:rPr>
               <a:t>ЛЕНИНГРАДСКИЙ ГОСУДАРСТВЕННЫЙ УНИВЕРСИТЕТ ИМЕНИ А.С. ПУШКИНА</a:t>
@@ -3101,7 +3101,6 @@
           <a:p>
             <a:pPr algn="ctr"/>
             <a:endParaRPr lang="ru-RU" sz="1600" dirty="0" smtClean="0">
-              <a:latin typeface="Bahnschrift Light SemiCondensed" pitchFamily="34" charset="0"/>
               <a:cs typeface="Times New Roman" panose="02020603050405020304" pitchFamily="18" charset="0"/>
             </a:endParaRPr>
           </a:p>
@@ -3109,7 +3108,6 @@
             <a:pPr algn="ctr"/>
             <a:r>
               <a:rPr lang="ru-RU" sz="1600" dirty="0" smtClean="0">
-                <a:latin typeface="Bahnschrift Light SemiCondensed" pitchFamily="34" charset="0"/>
                 <a:cs typeface="Times New Roman" panose="02020603050405020304" pitchFamily="18" charset="0"/>
               </a:rPr>
               <a:t>Институт экономической безопасности </a:t>
@@ -3118,7 +3116,6 @@
           <a:p>
             <a:pPr algn="ctr"/>
             <a:endParaRPr lang="ru-RU" sz="1600" dirty="0">
-              <a:latin typeface="Bahnschrift Light SemiCondensed" pitchFamily="34" charset="0"/>
               <a:cs typeface="Times New Roman" panose="02020603050405020304" pitchFamily="18" charset="0"/>
             </a:endParaRPr>
           </a:p>
@@ -3126,7 +3123,6 @@
             <a:pPr algn="ctr"/>
             <a:r>
               <a:rPr lang="ru-RU" sz="1600" dirty="0" smtClean="0">
-                <a:latin typeface="Bahnschrift Light SemiCondensed" pitchFamily="34" charset="0"/>
                 <a:cs typeface="Times New Roman" panose="02020603050405020304" pitchFamily="18" charset="0"/>
               </a:rPr>
               <a:t>Колледж</a:t>
@@ -3135,136 +3131,88 @@
           <a:p>
             <a:pPr algn="ctr"/>
             <a:endParaRPr lang="ru-RU" dirty="0" smtClean="0">
-              <a:latin typeface="Bahnschrift Light SemiCondensed" pitchFamily="34" charset="0"/>
               <a:cs typeface="Times New Roman" panose="02020603050405020304" pitchFamily="18" charset="0"/>
             </a:endParaRPr>
           </a:p>
           <a:p>
             <a:pPr algn="ctr"/>
-            <a:endParaRPr lang="ru-RU" dirty="0" smtClean="0">
-              <a:latin typeface="Bahnschrift Light SemiCondensed" pitchFamily="34" charset="0"/>
-            </a:endParaRPr>
+            <a:endParaRPr lang="ru-RU" dirty="0" smtClean="0"/>
           </a:p>
           <a:p>
             <a:pPr algn="ctr"/>
             <a:r>
-              <a:rPr lang="ru-RU" sz="2800" dirty="0" smtClean="0">
-                <a:latin typeface="Bahnschrift Light SemiCondensed" pitchFamily="34" charset="0"/>
-              </a:rPr>
-              <a:t>ОТЧЕТ ПО УЧЕБНОЙ </a:t>
-            </a:r>
-            <a:r>
-              <a:rPr lang="ru-RU" sz="2800" dirty="0" smtClean="0">
-                <a:latin typeface="Bahnschrift Light SemiCondensed" pitchFamily="34" charset="0"/>
-              </a:rPr>
-              <a:t>ПРАКТИКЕ</a:t>
-            </a:r>
-            <a:r>
-              <a:rPr lang="en-US" sz="2800" dirty="0" smtClean="0">
-                <a:latin typeface="Bahnschrift Light SemiCondensed" pitchFamily="34" charset="0"/>
-              </a:rPr>
+              <a:rPr lang="ru-RU" sz="2800" dirty="0" smtClean="0"/>
+              <a:t>ОТЧЕТ ПО УЧЕБНОЙ ПРАКТИКЕ</a:t>
+            </a:r>
+            <a:r>
+              <a:rPr lang="en-US" sz="2800" dirty="0" smtClean="0"/>
               <a:t>:</a:t>
             </a:r>
-            <a:endParaRPr lang="en-US" sz="2800" dirty="0" smtClean="0">
-              <a:latin typeface="Bahnschrift Light SemiCondensed" pitchFamily="34" charset="0"/>
-            </a:endParaRPr>
           </a:p>
           <a:p>
             <a:pPr algn="ctr"/>
             <a:r>
-              <a:rPr lang="ru-RU" sz="2800" dirty="0">
-                <a:latin typeface="Bahnschrift Light SemiCondensed" pitchFamily="34" charset="0"/>
-              </a:rPr>
+              <a:rPr lang="ru-RU" sz="2800" dirty="0"/>
               <a:t>ПМ.02 Разработка, внедрение и адаптация программного обеспечения отраслевой направленности</a:t>
             </a:r>
           </a:p>
           <a:p>
             <a:pPr algn="ctr"/>
-            <a:endParaRPr lang="ru-RU" sz="2800" dirty="0">
-              <a:latin typeface="Bahnschrift Light SemiCondensed" pitchFamily="34" charset="0"/>
-            </a:endParaRPr>
+            <a:endParaRPr lang="ru-RU" sz="2800" dirty="0"/>
           </a:p>
           <a:p>
             <a:pPr algn="ctr"/>
-            <a:endParaRPr lang="ru-RU" sz="2800" dirty="0" smtClean="0">
-              <a:latin typeface="Bahnschrift Light SemiCondensed" pitchFamily="34" charset="0"/>
-            </a:endParaRPr>
+            <a:endParaRPr lang="ru-RU" sz="2800" dirty="0" smtClean="0"/>
           </a:p>
           <a:p>
             <a:pPr algn="r"/>
             <a:r>
               <a:rPr lang="ru-RU" sz="1600" dirty="0" smtClean="0">
-                <a:latin typeface="Bahnschrift Light SemiCondensed" pitchFamily="34" charset="0"/>
                 <a:cs typeface="Times New Roman" panose="02020603050405020304" pitchFamily="18" charset="0"/>
               </a:rPr>
               <a:t>Выполнил</a:t>
             </a:r>
             <a:r>
               <a:rPr lang="en-US" sz="1600" dirty="0" smtClean="0">
-                <a:latin typeface="Bahnschrift Light SemiCondensed" pitchFamily="34" charset="0"/>
                 <a:cs typeface="Times New Roman" panose="02020603050405020304" pitchFamily="18" charset="0"/>
               </a:rPr>
               <a:t>:</a:t>
             </a:r>
             <a:r>
               <a:rPr lang="ru-RU" sz="1600" dirty="0" smtClean="0">
-                <a:latin typeface="Bahnschrift Light SemiCondensed" pitchFamily="34" charset="0"/>
                 <a:cs typeface="Times New Roman" panose="02020603050405020304" pitchFamily="18" charset="0"/>
               </a:rPr>
-              <a:t> </a:t>
-            </a:r>
-            <a:r>
-              <a:rPr lang="ru-RU" sz="1600" dirty="0" smtClean="0">
-                <a:latin typeface="Bahnschrift Light SemiCondensed" pitchFamily="34" charset="0"/>
-                <a:cs typeface="Times New Roman" panose="02020603050405020304" pitchFamily="18" charset="0"/>
-              </a:rPr>
-              <a:t>Устинов В.Д</a:t>
-            </a:r>
-            <a:r>
-              <a:rPr lang="ru-RU" sz="1600" dirty="0" smtClean="0">
-                <a:latin typeface="Bahnschrift Light SemiCondensed" pitchFamily="34" charset="0"/>
-                <a:cs typeface="Times New Roman" panose="02020603050405020304" pitchFamily="18" charset="0"/>
-              </a:rPr>
-              <a:t>.</a:t>
-            </a:r>
-            <a:endParaRPr lang="ru-RU" sz="1600" dirty="0" smtClean="0">
-              <a:latin typeface="Bahnschrift Light SemiCondensed" pitchFamily="34" charset="0"/>
+              <a:t> Устинов В.Д.</a:t>
+            </a:r>
+          </a:p>
+          <a:p>
+            <a:pPr algn="r"/>
+            <a:endParaRPr lang="ru-RU" sz="1600" dirty="0">
               <a:cs typeface="Times New Roman" panose="02020603050405020304" pitchFamily="18" charset="0"/>
             </a:endParaRPr>
           </a:p>
           <a:p>
             <a:pPr algn="r"/>
-            <a:endParaRPr lang="ru-RU" sz="1600" dirty="0">
-              <a:latin typeface="Bahnschrift Light SemiCondensed" pitchFamily="34" charset="0"/>
-              <a:cs typeface="Times New Roman" panose="02020603050405020304" pitchFamily="18" charset="0"/>
-            </a:endParaRPr>
-          </a:p>
-          <a:p>
-            <a:pPr algn="r"/>
             <a:r>
               <a:rPr lang="ru-RU" sz="1600" dirty="0" smtClean="0">
-                <a:latin typeface="Bahnschrift Light SemiCondensed" pitchFamily="34" charset="0"/>
                 <a:cs typeface="Times New Roman" panose="02020603050405020304" pitchFamily="18" charset="0"/>
               </a:rPr>
               <a:t>Руководитель</a:t>
             </a:r>
             <a:r>
               <a:rPr lang="en-US" sz="1600" dirty="0" smtClean="0">
-                <a:latin typeface="Bahnschrift Light SemiCondensed" pitchFamily="34" charset="0"/>
                 <a:cs typeface="Times New Roman" panose="02020603050405020304" pitchFamily="18" charset="0"/>
               </a:rPr>
               <a:t>: </a:t>
             </a:r>
             <a:r>
               <a:rPr lang="ru-RU" sz="1600" dirty="0" err="1" smtClean="0">
-                <a:latin typeface="Bahnschrift Light SemiCondensed" pitchFamily="34" charset="0"/>
                 <a:cs typeface="Times New Roman" panose="02020603050405020304" pitchFamily="18" charset="0"/>
               </a:rPr>
               <a:t>Пискаев</a:t>
             </a:r>
             <a:r>
               <a:rPr lang="ru-RU" sz="1600" dirty="0" smtClean="0">
-                <a:latin typeface="Bahnschrift Light SemiCondensed" pitchFamily="34" charset="0"/>
                 <a:cs typeface="Times New Roman" panose="02020603050405020304" pitchFamily="18" charset="0"/>
               </a:rPr>
               <a:t> Д.Е.</a:t>
@@ -3273,28 +3221,24 @@
           <a:p>
             <a:pPr algn="r"/>
             <a:endParaRPr lang="ru-RU" sz="1600" dirty="0">
-              <a:latin typeface="Bahnschrift Light SemiCondensed" pitchFamily="34" charset="0"/>
               <a:cs typeface="Times New Roman" panose="02020603050405020304" pitchFamily="18" charset="0"/>
             </a:endParaRPr>
           </a:p>
           <a:p>
             <a:pPr algn="r"/>
             <a:endParaRPr lang="ru-RU" sz="1600" dirty="0">
-              <a:latin typeface="Bahnschrift Light SemiCondensed" pitchFamily="34" charset="0"/>
               <a:cs typeface="Times New Roman" panose="02020603050405020304" pitchFamily="18" charset="0"/>
             </a:endParaRPr>
           </a:p>
           <a:p>
             <a:pPr algn="r"/>
             <a:endParaRPr lang="ru-RU" sz="1600" dirty="0" smtClean="0">
-              <a:latin typeface="Bahnschrift Light SemiCondensed" pitchFamily="34" charset="0"/>
               <a:cs typeface="Times New Roman" panose="02020603050405020304" pitchFamily="18" charset="0"/>
             </a:endParaRPr>
           </a:p>
           <a:p>
             <a:pPr algn="r"/>
             <a:endParaRPr lang="ru-RU" sz="1600" dirty="0" smtClean="0">
-              <a:latin typeface="Bahnschrift Light SemiCondensed" pitchFamily="34" charset="0"/>
               <a:cs typeface="Times New Roman" panose="02020603050405020304" pitchFamily="18" charset="0"/>
             </a:endParaRPr>
           </a:p>
@@ -3302,7 +3246,6 @@
             <a:pPr algn="ctr"/>
             <a:r>
               <a:rPr lang="ru-RU" sz="1600" dirty="0" smtClean="0">
-                <a:latin typeface="Bahnschrift Light SemiCondensed" pitchFamily="34" charset="0"/>
                 <a:cs typeface="Times New Roman" panose="02020603050405020304" pitchFamily="18" charset="0"/>
               </a:rPr>
               <a:t>Санкт-Петербург</a:t>
@@ -3312,13 +3255,11 @@
             <a:pPr algn="ctr"/>
             <a:r>
               <a:rPr lang="ru-RU" sz="1600" dirty="0" smtClean="0">
-                <a:latin typeface="Bahnschrift Light SemiCondensed" pitchFamily="34" charset="0"/>
                 <a:cs typeface="Times New Roman" panose="02020603050405020304" pitchFamily="18" charset="0"/>
               </a:rPr>
               <a:t>2022</a:t>
             </a:r>
             <a:endParaRPr lang="ru-RU" sz="1600" dirty="0">
-              <a:latin typeface="Bahnschrift Light SemiCondensed" pitchFamily="34" charset="0"/>
               <a:cs typeface="Times New Roman" panose="02020603050405020304" pitchFamily="18" charset="0"/>
             </a:endParaRPr>
           </a:p>
@@ -3385,13 +3326,11 @@
           <a:p>
             <a:r>
               <a:rPr lang="ru-RU" sz="2800" dirty="0" smtClean="0">
-                <a:latin typeface="Bahnschrift Light SemiCondensed" pitchFamily="34" charset="0"/>
                 <a:ea typeface="Microsoft JhengHei Light" panose="020B0304030504040204" pitchFamily="34" charset="-120"/>
               </a:rPr>
               <a:t>Итоговый Результат</a:t>
             </a:r>
             <a:endParaRPr lang="ru-RU" sz="2800" dirty="0">
-              <a:latin typeface="Bahnschrift Light SemiCondensed" pitchFamily="34" charset="0"/>
               <a:ea typeface="Microsoft JhengHei Light" panose="020B0304030504040204" pitchFamily="34" charset="-120"/>
             </a:endParaRPr>
           </a:p>
@@ -3421,25 +3360,150 @@
           <a:p>
             <a:r>
               <a:rPr lang="ru-RU" sz="2800" dirty="0" smtClean="0">
-                <a:latin typeface="Bahnschrift Light SemiCondensed" pitchFamily="34" charset="0"/>
                 <a:ea typeface="Microsoft JhengHei Light" panose="020B0304030504040204" pitchFamily="34" charset="-120"/>
               </a:rPr>
               <a:t>Макет </a:t>
             </a:r>
             <a:r>
               <a:rPr lang="en-US" sz="2800" dirty="0" err="1" smtClean="0">
-                <a:latin typeface="Bahnschrift Light SemiCondensed" pitchFamily="34" charset="0"/>
                 <a:ea typeface="Microsoft JhengHei Light" panose="020B0304030504040204" pitchFamily="34" charset="-120"/>
               </a:rPr>
               <a:t>Figma</a:t>
             </a:r>
             <a:endParaRPr lang="ru-RU" sz="2800" dirty="0">
-              <a:latin typeface="Bahnschrift Light SemiCondensed" pitchFamily="34" charset="0"/>
               <a:ea typeface="Microsoft JhengHei Light" panose="020B0304030504040204" pitchFamily="34" charset="-120"/>
             </a:endParaRPr>
           </a:p>
         </p:txBody>
       </p:sp>
+      <p:pic>
+        <p:nvPicPr>
+          <p:cNvPr id="9218" name="Picture 2"/>
+          <p:cNvPicPr>
+            <a:picLocks noChangeAspect="1" noChangeArrowheads="1"/>
+          </p:cNvPicPr>
+          <p:nvPr/>
+        </p:nvPicPr>
+        <p:blipFill>
+          <a:blip r:embed="rId2" cstate="print">
+            <a:extLst>
+              <a:ext uri="{28A0092B-C50C-407E-A947-70E740481C1C}">
+                <a14:useLocalDpi xmlns:a14="http://schemas.microsoft.com/office/drawing/2010/main" val="0"/>
+              </a:ext>
+            </a:extLst>
+          </a:blip>
+          <a:srcRect/>
+          <a:stretch>
+            <a:fillRect/>
+          </a:stretch>
+        </p:blipFill>
+        <p:spPr bwMode="auto">
+          <a:xfrm>
+            <a:off x="13901" y="2276872"/>
+            <a:ext cx="4990147" cy="2088232"/>
+          </a:xfrm>
+          <a:prstGeom prst="rect">
+            <a:avLst/>
+          </a:prstGeom>
+          <a:noFill/>
+          <a:ln>
+            <a:noFill/>
+          </a:ln>
+          <a:effectLst/>
+          <a:extLst>
+            <a:ext uri="{909E8E84-426E-40DD-AFC4-6F175D3DCCD1}">
+              <a14:hiddenFill xmlns:a14="http://schemas.microsoft.com/office/drawing/2010/main">
+                <a:solidFill>
+                  <a:schemeClr val="accent1"/>
+                </a:solidFill>
+              </a14:hiddenFill>
+            </a:ext>
+            <a:ext uri="{91240B29-F687-4F45-9708-019B960494DF}">
+              <a14:hiddenLine xmlns:a14="http://schemas.microsoft.com/office/drawing/2010/main" w="9525">
+                <a:solidFill>
+                  <a:schemeClr val="tx1"/>
+                </a:solidFill>
+                <a:miter lim="800000"/>
+                <a:headEnd/>
+                <a:tailEnd/>
+              </a14:hiddenLine>
+            </a:ext>
+            <a:ext uri="{AF507438-7753-43E0-B8FC-AC1667EBCBE1}">
+              <a14:hiddenEffects xmlns:a14="http://schemas.microsoft.com/office/drawing/2010/main">
+                <a:effectLst>
+                  <a:outerShdw dist="35921" dir="2700000" algn="ctr" rotWithShape="0">
+                    <a:schemeClr val="bg2"/>
+                  </a:outerShdw>
+                </a:effectLst>
+              </a14:hiddenEffects>
+            </a:ext>
+          </a:extLst>
+        </p:spPr>
+      </p:pic>
+      <p:pic>
+        <p:nvPicPr>
+          <p:cNvPr id="9219" name="Picture 3"/>
+          <p:cNvPicPr>
+            <a:picLocks noChangeAspect="1" noChangeArrowheads="1"/>
+          </p:cNvPicPr>
+          <p:nvPr/>
+        </p:nvPicPr>
+        <p:blipFill>
+          <a:blip r:embed="rId3">
+            <a:extLst>
+              <a:ext uri="{28A0092B-C50C-407E-A947-70E740481C1C}">
+                <a14:useLocalDpi xmlns:a14="http://schemas.microsoft.com/office/drawing/2010/main" val="0"/>
+              </a:ext>
+            </a:extLst>
+          </a:blip>
+          <a:srcRect/>
+          <a:stretch>
+            <a:fillRect/>
+          </a:stretch>
+        </p:blipFill>
+        <p:spPr bwMode="auto">
+          <a:xfrm>
+            <a:off x="4716016" y="2276872"/>
+            <a:ext cx="4248471" cy="2088232"/>
+          </a:xfrm>
+          <a:prstGeom prst="rect">
+            <a:avLst/>
+          </a:prstGeom>
+          <a:noFill/>
+          <a:ln>
+            <a:noFill/>
+          </a:ln>
+          <a:effectLst/>
+          <a:extLst>
+            <a:ext uri="{909E8E84-426E-40DD-AFC4-6F175D3DCCD1}">
+              <a14:hiddenFill xmlns:a14="http://schemas.microsoft.com/office/drawing/2010/main">
+                <a:solidFill>
+                  <a:schemeClr val="accent1"/>
+                </a:solidFill>
+              </a14:hiddenFill>
+            </a:ext>
+            <a:ext uri="{91240B29-F687-4F45-9708-019B960494DF}">
+              <a14:hiddenLine xmlns:a14="http://schemas.microsoft.com/office/drawing/2010/main" w="9525">
+                <a:solidFill>
+                  <a:schemeClr val="tx1"/>
+                </a:solidFill>
+                <a:miter lim="800000"/>
+                <a:headEnd/>
+                <a:tailEnd/>
+              </a14:hiddenLine>
+            </a:ext>
+            <a:ext uri="{AF507438-7753-43E0-B8FC-AC1667EBCBE1}">
+              <a14:hiddenEffects xmlns:a14="http://schemas.microsoft.com/office/drawing/2010/main">
+                <a:effectLst>
+                  <a:outerShdw dist="35921" dir="2700000" algn="ctr" rotWithShape="0">
+                    <a:schemeClr val="bg2"/>
+                  </a:outerShdw>
+                </a:effectLst>
+              </a14:hiddenEffects>
+            </a:ext>
+          </a:extLst>
+        </p:spPr>
+      </p:pic>
     </p:spTree>
     <p:extLst>
       <p:ext uri="{BB962C8B-B14F-4D97-AF65-F5344CB8AC3E}">
@@ -3501,13 +3565,11 @@
           <a:p>
             <a:r>
               <a:rPr lang="ru-RU" sz="2800" dirty="0" smtClean="0">
-                <a:latin typeface="Bahnschrift Light SemiCondensed" pitchFamily="34" charset="0"/>
                 <a:ea typeface="Microsoft JhengHei Light" panose="020B0304030504040204" pitchFamily="34" charset="-120"/>
               </a:rPr>
               <a:t>Итоговый Результат</a:t>
             </a:r>
             <a:endParaRPr lang="ru-RU" sz="2800" dirty="0">
-              <a:latin typeface="Bahnschrift Light SemiCondensed" pitchFamily="34" charset="0"/>
               <a:ea typeface="Microsoft JhengHei Light" panose="020B0304030504040204" pitchFamily="34" charset="-120"/>
             </a:endParaRPr>
           </a:p>
@@ -3537,25 +3599,150 @@
           <a:p>
             <a:r>
               <a:rPr lang="ru-RU" sz="2800" dirty="0" smtClean="0">
-                <a:latin typeface="Bahnschrift Light SemiCondensed" pitchFamily="34" charset="0"/>
                 <a:ea typeface="Microsoft JhengHei Light" panose="020B0304030504040204" pitchFamily="34" charset="-120"/>
               </a:rPr>
               <a:t>Макет </a:t>
             </a:r>
             <a:r>
               <a:rPr lang="en-US" sz="2800" dirty="0" err="1" smtClean="0">
-                <a:latin typeface="Bahnschrift Light SemiCondensed" pitchFamily="34" charset="0"/>
                 <a:ea typeface="Microsoft JhengHei Light" panose="020B0304030504040204" pitchFamily="34" charset="-120"/>
               </a:rPr>
               <a:t>Figma</a:t>
             </a:r>
             <a:endParaRPr lang="ru-RU" sz="2800" dirty="0">
-              <a:latin typeface="Bahnschrift Light SemiCondensed" pitchFamily="34" charset="0"/>
               <a:ea typeface="Microsoft JhengHei Light" panose="020B0304030504040204" pitchFamily="34" charset="-120"/>
             </a:endParaRPr>
           </a:p>
         </p:txBody>
       </p:sp>
+      <p:pic>
+        <p:nvPicPr>
+          <p:cNvPr id="10242" name="Picture 2"/>
+          <p:cNvPicPr>
+            <a:picLocks noChangeAspect="1" noChangeArrowheads="1"/>
+          </p:cNvPicPr>
+          <p:nvPr/>
+        </p:nvPicPr>
+        <p:blipFill>
+          <a:blip r:embed="rId2">
+            <a:extLst>
+              <a:ext uri="{28A0092B-C50C-407E-A947-70E740481C1C}">
+                <a14:useLocalDpi xmlns:a14="http://schemas.microsoft.com/office/drawing/2010/main" val="0"/>
+              </a:ext>
+            </a:extLst>
+          </a:blip>
+          <a:srcRect/>
+          <a:stretch>
+            <a:fillRect/>
+          </a:stretch>
+        </p:blipFill>
+        <p:spPr bwMode="auto">
+          <a:xfrm>
+            <a:off x="4644008" y="2420888"/>
+            <a:ext cx="4104456" cy="1966928"/>
+          </a:xfrm>
+          <a:prstGeom prst="rect">
+            <a:avLst/>
+          </a:prstGeom>
+          <a:noFill/>
+          <a:ln>
+            <a:noFill/>
+          </a:ln>
+          <a:effectLst/>
+          <a:extLst>
+            <a:ext uri="{909E8E84-426E-40DD-AFC4-6F175D3DCCD1}">
+              <a14:hiddenFill xmlns:a14="http://schemas.microsoft.com/office/drawing/2010/main">
+                <a:solidFill>
+                  <a:schemeClr val="accent1"/>
+                </a:solidFill>
+              </a14:hiddenFill>
+            </a:ext>
+            <a:ext uri="{91240B29-F687-4F45-9708-019B960494DF}">
+              <a14:hiddenLine xmlns:a14="http://schemas.microsoft.com/office/drawing/2010/main" w="9525">
+                <a:solidFill>
+                  <a:schemeClr val="tx1"/>
+                </a:solidFill>
+                <a:miter lim="800000"/>
+                <a:headEnd/>
+                <a:tailEnd/>
+              </a14:hiddenLine>
+            </a:ext>
+            <a:ext uri="{AF507438-7753-43E0-B8FC-AC1667EBCBE1}">
+              <a14:hiddenEffects xmlns:a14="http://schemas.microsoft.com/office/drawing/2010/main">
+                <a:effectLst>
+                  <a:outerShdw dist="35921" dir="2700000" algn="ctr" rotWithShape="0">
+                    <a:schemeClr val="bg2"/>
+                  </a:outerShdw>
+                </a:effectLst>
+              </a14:hiddenEffects>
+            </a:ext>
+          </a:extLst>
+        </p:spPr>
+      </p:pic>
+      <p:pic>
+        <p:nvPicPr>
+          <p:cNvPr id="10243" name="Picture 3"/>
+          <p:cNvPicPr>
+            <a:picLocks noChangeAspect="1" noChangeArrowheads="1"/>
+          </p:cNvPicPr>
+          <p:nvPr/>
+        </p:nvPicPr>
+        <p:blipFill>
+          <a:blip r:embed="rId3" cstate="print">
+            <a:extLst>
+              <a:ext uri="{28A0092B-C50C-407E-A947-70E740481C1C}">
+                <a14:useLocalDpi xmlns:a14="http://schemas.microsoft.com/office/drawing/2010/main" val="0"/>
+              </a:ext>
+            </a:extLst>
+          </a:blip>
+          <a:srcRect/>
+          <a:stretch>
+            <a:fillRect/>
+          </a:stretch>
+        </p:blipFill>
+        <p:spPr bwMode="auto">
+          <a:xfrm>
+            <a:off x="32792" y="2420888"/>
+            <a:ext cx="4293130" cy="1951148"/>
+          </a:xfrm>
+          <a:prstGeom prst="rect">
+            <a:avLst/>
+          </a:prstGeom>
+          <a:noFill/>
+          <a:ln>
+            <a:noFill/>
+          </a:ln>
+          <a:effectLst/>
+          <a:extLst>
+            <a:ext uri="{909E8E84-426E-40DD-AFC4-6F175D3DCCD1}">
+              <a14:hiddenFill xmlns:a14="http://schemas.microsoft.com/office/drawing/2010/main">
+                <a:solidFill>
+                  <a:schemeClr val="accent1"/>
+                </a:solidFill>
+              </a14:hiddenFill>
+            </a:ext>
+            <a:ext uri="{91240B29-F687-4F45-9708-019B960494DF}">
+              <a14:hiddenLine xmlns:a14="http://schemas.microsoft.com/office/drawing/2010/main" w="9525">
+                <a:solidFill>
+                  <a:schemeClr val="tx1"/>
+                </a:solidFill>
+                <a:miter lim="800000"/>
+                <a:headEnd/>
+                <a:tailEnd/>
+              </a14:hiddenLine>
+            </a:ext>
+            <a:ext uri="{AF507438-7753-43E0-B8FC-AC1667EBCBE1}">
+              <a14:hiddenEffects xmlns:a14="http://schemas.microsoft.com/office/drawing/2010/main">
+                <a:effectLst>
+                  <a:outerShdw dist="35921" dir="2700000" algn="ctr" rotWithShape="0">
+                    <a:schemeClr val="bg2"/>
+                  </a:outerShdw>
+                </a:effectLst>
+              </a14:hiddenEffects>
+            </a:ext>
+          </a:extLst>
+        </p:spPr>
+      </p:pic>
     </p:spTree>
     <p:extLst>
       <p:ext uri="{BB962C8B-B14F-4D97-AF65-F5344CB8AC3E}">
@@ -3617,13 +3804,11 @@
           <a:p>
             <a:r>
               <a:rPr lang="ru-RU" sz="2800" dirty="0" smtClean="0">
-                <a:latin typeface="Bahnschrift Light SemiCondensed" pitchFamily="34" charset="0"/>
                 <a:ea typeface="Microsoft JhengHei Light" panose="020B0304030504040204" pitchFamily="34" charset="-120"/>
               </a:rPr>
               <a:t>Итоговый Результат</a:t>
             </a:r>
             <a:endParaRPr lang="ru-RU" sz="2800" dirty="0">
-              <a:latin typeface="Bahnschrift Light SemiCondensed" pitchFamily="34" charset="0"/>
               <a:ea typeface="Microsoft JhengHei Light" panose="020B0304030504040204" pitchFamily="34" charset="-120"/>
             </a:endParaRPr>
           </a:p>
@@ -3653,74 +3838,150 @@
           <a:p>
             <a:r>
               <a:rPr lang="ru-RU" sz="2800" dirty="0" smtClean="0">
-                <a:latin typeface="Bahnschrift Light SemiCondensed" pitchFamily="34" charset="0"/>
                 <a:ea typeface="Microsoft JhengHei Light" panose="020B0304030504040204" pitchFamily="34" charset="-120"/>
               </a:rPr>
               <a:t>Макет </a:t>
             </a:r>
             <a:r>
               <a:rPr lang="en-US" sz="2800" dirty="0" err="1" smtClean="0">
-                <a:latin typeface="Bahnschrift Light SemiCondensed" pitchFamily="34" charset="0"/>
                 <a:ea typeface="Microsoft JhengHei Light" panose="020B0304030504040204" pitchFamily="34" charset="-120"/>
               </a:rPr>
               <a:t>Figma</a:t>
             </a:r>
             <a:endParaRPr lang="ru-RU" sz="2800" dirty="0">
-              <a:latin typeface="Bahnschrift Light SemiCondensed" pitchFamily="34" charset="0"/>
               <a:ea typeface="Microsoft JhengHei Light" panose="020B0304030504040204" pitchFamily="34" charset="-120"/>
             </a:endParaRPr>
           </a:p>
         </p:txBody>
       </p:sp>
-      <p:sp>
-        <p:nvSpPr>
-          <p:cNvPr id="2" name="TextBox 1"/>
-          <p:cNvSpPr txBox="1"/>
+      <p:pic>
+        <p:nvPicPr>
+          <p:cNvPr id="11267" name="Picture 3"/>
+          <p:cNvPicPr>
+            <a:picLocks noChangeAspect="1" noChangeArrowheads="1"/>
+          </p:cNvPicPr>
           <p:nvPr/>
-        </p:nvSpPr>
-        <p:spPr>
-          <a:xfrm>
-            <a:off x="467544" y="6381328"/>
-            <a:ext cx="4824536" cy="646331"/>
+        </p:nvPicPr>
+        <p:blipFill>
+          <a:blip r:embed="rId2">
+            <a:extLst>
+              <a:ext uri="{28A0092B-C50C-407E-A947-70E740481C1C}">
+                <a14:useLocalDpi xmlns:a14="http://schemas.microsoft.com/office/drawing/2010/main" val="0"/>
+              </a:ext>
+            </a:extLst>
+          </a:blip>
+          <a:srcRect/>
+          <a:stretch>
+            <a:fillRect/>
+          </a:stretch>
+        </p:blipFill>
+        <p:spPr bwMode="auto">
+          <a:xfrm>
+            <a:off x="4860032" y="2092949"/>
+            <a:ext cx="3609975" cy="2514600"/>
           </a:xfrm>
           <a:prstGeom prst="rect">
             <a:avLst/>
           </a:prstGeom>
           <a:noFill/>
-        </p:spPr>
-        <p:txBody>
-          <a:bodyPr wrap="square" rtlCol="0">
-            <a:spAutoFit/>
-          </a:bodyPr>
-          <a:lstStyle/>
-          <a:p>
-            <a:r>
-              <a:rPr lang="ru-RU" dirty="0">
-                <a:latin typeface="Bahnschrift Light SemiCondensed" pitchFamily="34" charset="0"/>
-                <a:ea typeface="Microsoft JhengHei Light" panose="020B0304030504040204" pitchFamily="34" charset="-120"/>
-              </a:rPr>
-              <a:t>Адрес сайта: </a:t>
-            </a:r>
-            <a:r>
-              <a:rPr lang="ru-RU" u="sng" dirty="0">
-                <a:latin typeface="Bahnschrift Light SemiCondensed" pitchFamily="34" charset="0"/>
-                <a:ea typeface="Microsoft JhengHei Light" panose="020B0304030504040204" pitchFamily="34" charset="-120"/>
-                <a:hlinkClick r:id="rId2"/>
-              </a:rPr>
-              <a:t>http://f0684473.xsph.ru/</a:t>
-            </a:r>
-            <a:endParaRPr lang="ru-RU" dirty="0">
-              <a:latin typeface="Bahnschrift Light SemiCondensed" pitchFamily="34" charset="0"/>
-              <a:ea typeface="Microsoft JhengHei Light" panose="020B0304030504040204" pitchFamily="34" charset="-120"/>
-            </a:endParaRPr>
-          </a:p>
-          <a:p>
-            <a:endParaRPr lang="ru-RU" dirty="0">
-              <a:latin typeface="Bahnschrift Light SemiCondensed" pitchFamily="34" charset="0"/>
-            </a:endParaRPr>
-          </a:p>
-        </p:txBody>
-      </p:sp>
+          <a:ln>
+            <a:noFill/>
+          </a:ln>
+          <a:effectLst/>
+          <a:extLst>
+            <a:ext uri="{909E8E84-426E-40DD-AFC4-6F175D3DCCD1}">
+              <a14:hiddenFill xmlns:a14="http://schemas.microsoft.com/office/drawing/2010/main">
+                <a:solidFill>
+                  <a:schemeClr val="accent1"/>
+                </a:solidFill>
+              </a14:hiddenFill>
+            </a:ext>
+            <a:ext uri="{91240B29-F687-4F45-9708-019B960494DF}">
+              <a14:hiddenLine xmlns:a14="http://schemas.microsoft.com/office/drawing/2010/main" w="9525">
+                <a:solidFill>
+                  <a:schemeClr val="tx1"/>
+                </a:solidFill>
+                <a:miter lim="800000"/>
+                <a:headEnd/>
+                <a:tailEnd/>
+              </a14:hiddenLine>
+            </a:ext>
+            <a:ext uri="{AF507438-7753-43E0-B8FC-AC1667EBCBE1}">
+              <a14:hiddenEffects xmlns:a14="http://schemas.microsoft.com/office/drawing/2010/main">
+                <a:effectLst>
+                  <a:outerShdw dist="35921" dir="2700000" algn="ctr" rotWithShape="0">
+                    <a:schemeClr val="bg2"/>
+                  </a:outerShdw>
+                </a:effectLst>
+              </a14:hiddenEffects>
+            </a:ext>
+          </a:extLst>
+        </p:spPr>
+      </p:pic>
+      <p:pic>
+        <p:nvPicPr>
+          <p:cNvPr id="11268" name="Picture 4"/>
+          <p:cNvPicPr>
+            <a:picLocks noChangeAspect="1" noChangeArrowheads="1"/>
+          </p:cNvPicPr>
+          <p:nvPr/>
+        </p:nvPicPr>
+        <p:blipFill>
+          <a:blip r:embed="rId3">
+            <a:extLst>
+              <a:ext uri="{28A0092B-C50C-407E-A947-70E740481C1C}">
+                <a14:useLocalDpi xmlns:a14="http://schemas.microsoft.com/office/drawing/2010/main" val="0"/>
+              </a:ext>
+            </a:extLst>
+          </a:blip>
+          <a:srcRect/>
+          <a:stretch>
+            <a:fillRect/>
+          </a:stretch>
+        </p:blipFill>
+        <p:spPr bwMode="auto">
+          <a:xfrm>
+            <a:off x="792341" y="2169149"/>
+            <a:ext cx="3352800" cy="2438400"/>
+          </a:xfrm>
+          <a:prstGeom prst="rect">
+            <a:avLst/>
+          </a:prstGeom>
+          <a:noFill/>
+          <a:ln>
+            <a:noFill/>
+          </a:ln>
+          <a:effectLst/>
+          <a:extLst>
+            <a:ext uri="{909E8E84-426E-40DD-AFC4-6F175D3DCCD1}">
+              <a14:hiddenFill xmlns:a14="http://schemas.microsoft.com/office/drawing/2010/main">
+                <a:solidFill>
+                  <a:schemeClr val="accent1"/>
+                </a:solidFill>
+              </a14:hiddenFill>
+            </a:ext>
+            <a:ext uri="{91240B29-F687-4F45-9708-019B960494DF}">
+              <a14:hiddenLine xmlns:a14="http://schemas.microsoft.com/office/drawing/2010/main" w="9525">
+                <a:solidFill>
+                  <a:schemeClr val="tx1"/>
+                </a:solidFill>
+                <a:miter lim="800000"/>
+                <a:headEnd/>
+                <a:tailEnd/>
+              </a14:hiddenLine>
+            </a:ext>
+            <a:ext uri="{AF507438-7753-43E0-B8FC-AC1667EBCBE1}">
+              <a14:hiddenEffects xmlns:a14="http://schemas.microsoft.com/office/drawing/2010/main">
+                <a:effectLst>
+                  <a:outerShdw dist="35921" dir="2700000" algn="ctr" rotWithShape="0">
+                    <a:schemeClr val="bg2"/>
+                  </a:outerShdw>
+                </a:effectLst>
+              </a14:hiddenEffects>
+            </a:ext>
+          </a:extLst>
+        </p:spPr>
+      </p:pic>
     </p:spTree>
     <p:extLst>
       <p:ext uri="{BB962C8B-B14F-4D97-AF65-F5344CB8AC3E}">
@@ -3760,6 +4021,616 @@
       </p:grpSpPr>
       <p:sp>
         <p:nvSpPr>
+          <p:cNvPr id="4" name="TextBox 3"/>
+          <p:cNvSpPr txBox="1"/>
+          <p:nvPr/>
+        </p:nvSpPr>
+        <p:spPr>
+          <a:xfrm>
+            <a:off x="611560" y="1052736"/>
+            <a:ext cx="3714362" cy="523220"/>
+          </a:xfrm>
+          <a:prstGeom prst="rect">
+            <a:avLst/>
+          </a:prstGeom>
+          <a:noFill/>
+        </p:spPr>
+        <p:txBody>
+          <a:bodyPr wrap="square" rtlCol="0">
+            <a:spAutoFit/>
+          </a:bodyPr>
+          <a:lstStyle/>
+          <a:p>
+            <a:r>
+              <a:rPr lang="ru-RU" sz="2800" dirty="0" smtClean="0">
+                <a:ea typeface="Microsoft JhengHei Light" panose="020B0304030504040204" pitchFamily="34" charset="-120"/>
+              </a:rPr>
+              <a:t>Итоговый Результат</a:t>
+            </a:r>
+            <a:endParaRPr lang="ru-RU" sz="2800" dirty="0">
+              <a:ea typeface="Microsoft JhengHei Light" panose="020B0304030504040204" pitchFamily="34" charset="-120"/>
+            </a:endParaRPr>
+          </a:p>
+        </p:txBody>
+      </p:sp>
+      <p:sp>
+        <p:nvSpPr>
+          <p:cNvPr id="5" name="TextBox 4"/>
+          <p:cNvSpPr txBox="1"/>
+          <p:nvPr/>
+        </p:nvSpPr>
+        <p:spPr>
+          <a:xfrm>
+            <a:off x="5580112" y="1052736"/>
+            <a:ext cx="3384376" cy="523220"/>
+          </a:xfrm>
+          <a:prstGeom prst="rect">
+            <a:avLst/>
+          </a:prstGeom>
+          <a:noFill/>
+        </p:spPr>
+        <p:txBody>
+          <a:bodyPr wrap="square" rtlCol="0">
+            <a:spAutoFit/>
+          </a:bodyPr>
+          <a:lstStyle/>
+          <a:p>
+            <a:r>
+              <a:rPr lang="ru-RU" sz="2800" dirty="0" smtClean="0">
+                <a:ea typeface="Microsoft JhengHei Light" panose="020B0304030504040204" pitchFamily="34" charset="-120"/>
+              </a:rPr>
+              <a:t>Макет </a:t>
+            </a:r>
+            <a:r>
+              <a:rPr lang="en-US" sz="2800" dirty="0" err="1" smtClean="0">
+                <a:ea typeface="Microsoft JhengHei Light" panose="020B0304030504040204" pitchFamily="34" charset="-120"/>
+              </a:rPr>
+              <a:t>Figma</a:t>
+            </a:r>
+            <a:endParaRPr lang="ru-RU" sz="2800" dirty="0">
+              <a:ea typeface="Microsoft JhengHei Light" panose="020B0304030504040204" pitchFamily="34" charset="-120"/>
+            </a:endParaRPr>
+          </a:p>
+        </p:txBody>
+      </p:sp>
+      <p:pic>
+        <p:nvPicPr>
+          <p:cNvPr id="12290" name="Picture 2"/>
+          <p:cNvPicPr>
+            <a:picLocks noChangeAspect="1" noChangeArrowheads="1"/>
+          </p:cNvPicPr>
+          <p:nvPr/>
+        </p:nvPicPr>
+        <p:blipFill>
+          <a:blip r:embed="rId2">
+            <a:extLst>
+              <a:ext uri="{28A0092B-C50C-407E-A947-70E740481C1C}">
+                <a14:useLocalDpi xmlns:a14="http://schemas.microsoft.com/office/drawing/2010/main" val="0"/>
+              </a:ext>
+            </a:extLst>
+          </a:blip>
+          <a:srcRect/>
+          <a:stretch>
+            <a:fillRect/>
+          </a:stretch>
+        </p:blipFill>
+        <p:spPr bwMode="auto">
+          <a:xfrm>
+            <a:off x="4932040" y="1916832"/>
+            <a:ext cx="3600450" cy="3781425"/>
+          </a:xfrm>
+          <a:prstGeom prst="rect">
+            <a:avLst/>
+          </a:prstGeom>
+          <a:noFill/>
+          <a:ln>
+            <a:noFill/>
+          </a:ln>
+          <a:effectLst/>
+          <a:extLst>
+            <a:ext uri="{909E8E84-426E-40DD-AFC4-6F175D3DCCD1}">
+              <a14:hiddenFill xmlns:a14="http://schemas.microsoft.com/office/drawing/2010/main">
+                <a:solidFill>
+                  <a:schemeClr val="accent1"/>
+                </a:solidFill>
+              </a14:hiddenFill>
+            </a:ext>
+            <a:ext uri="{91240B29-F687-4F45-9708-019B960494DF}">
+              <a14:hiddenLine xmlns:a14="http://schemas.microsoft.com/office/drawing/2010/main" w="9525">
+                <a:solidFill>
+                  <a:schemeClr val="tx1"/>
+                </a:solidFill>
+                <a:miter lim="800000"/>
+                <a:headEnd/>
+                <a:tailEnd/>
+              </a14:hiddenLine>
+            </a:ext>
+            <a:ext uri="{AF507438-7753-43E0-B8FC-AC1667EBCBE1}">
+              <a14:hiddenEffects xmlns:a14="http://schemas.microsoft.com/office/drawing/2010/main">
+                <a:effectLst>
+                  <a:outerShdw dist="35921" dir="2700000" algn="ctr" rotWithShape="0">
+                    <a:schemeClr val="bg2"/>
+                  </a:outerShdw>
+                </a:effectLst>
+              </a14:hiddenEffects>
+            </a:ext>
+          </a:extLst>
+        </p:spPr>
+      </p:pic>
+      <p:pic>
+        <p:nvPicPr>
+          <p:cNvPr id="12291" name="Picture 3"/>
+          <p:cNvPicPr>
+            <a:picLocks noChangeAspect="1" noChangeArrowheads="1"/>
+          </p:cNvPicPr>
+          <p:nvPr/>
+        </p:nvPicPr>
+        <p:blipFill>
+          <a:blip r:embed="rId3">
+            <a:extLst>
+              <a:ext uri="{28A0092B-C50C-407E-A947-70E740481C1C}">
+                <a14:useLocalDpi xmlns:a14="http://schemas.microsoft.com/office/drawing/2010/main" val="0"/>
+              </a:ext>
+            </a:extLst>
+          </a:blip>
+          <a:srcRect/>
+          <a:stretch>
+            <a:fillRect/>
+          </a:stretch>
+        </p:blipFill>
+        <p:spPr bwMode="auto">
+          <a:xfrm>
+            <a:off x="611560" y="2002556"/>
+            <a:ext cx="3362325" cy="3609975"/>
+          </a:xfrm>
+          <a:prstGeom prst="rect">
+            <a:avLst/>
+          </a:prstGeom>
+          <a:noFill/>
+          <a:ln>
+            <a:noFill/>
+          </a:ln>
+          <a:effectLst/>
+          <a:extLst>
+            <a:ext uri="{909E8E84-426E-40DD-AFC4-6F175D3DCCD1}">
+              <a14:hiddenFill xmlns:a14="http://schemas.microsoft.com/office/drawing/2010/main">
+                <a:solidFill>
+                  <a:schemeClr val="accent1"/>
+                </a:solidFill>
+              </a14:hiddenFill>
+            </a:ext>
+            <a:ext uri="{91240B29-F687-4F45-9708-019B960494DF}">
+              <a14:hiddenLine xmlns:a14="http://schemas.microsoft.com/office/drawing/2010/main" w="9525">
+                <a:solidFill>
+                  <a:schemeClr val="tx1"/>
+                </a:solidFill>
+                <a:miter lim="800000"/>
+                <a:headEnd/>
+                <a:tailEnd/>
+              </a14:hiddenLine>
+            </a:ext>
+            <a:ext uri="{AF507438-7753-43E0-B8FC-AC1667EBCBE1}">
+              <a14:hiddenEffects xmlns:a14="http://schemas.microsoft.com/office/drawing/2010/main">
+                <a:effectLst>
+                  <a:outerShdw dist="35921" dir="2700000" algn="ctr" rotWithShape="0">
+                    <a:schemeClr val="bg2"/>
+                  </a:outerShdw>
+                </a:effectLst>
+              </a14:hiddenEffects>
+            </a:ext>
+          </a:extLst>
+        </p:spPr>
+      </p:pic>
+    </p:spTree>
+    <p:extLst>
+      <p:ext uri="{BB962C8B-B14F-4D97-AF65-F5344CB8AC3E}">
+        <p14:creationId xmlns:p14="http://schemas.microsoft.com/office/powerpoint/2010/main" val="2960896210"/>
+      </p:ext>
+    </p:extLst>
+  </p:cSld>
+  <p:clrMapOvr>
+    <a:masterClrMapping/>
+  </p:clrMapOvr>
+  <p:timing>
+    <p:tnLst>
+      <p:par>
+        <p:cTn id="1" dur="indefinite" restart="never" nodeType="tmRoot"/>
+      </p:par>
+    </p:tnLst>
+  </p:timing>
+</p:sld>
+</file>
+
+<file path=ppt/slides/slide14.xml><?xml version="1.0" encoding="utf-8"?>
+<p:sld xmlns:a="http://schemas.openxmlformats.org/drawingml/2006/main" xmlns:r="http://schemas.openxmlformats.org/officeDocument/2006/relationships" xmlns:p="http://schemas.openxmlformats.org/presentationml/2006/main">
+  <p:cSld>
+    <p:spTree>
+      <p:nvGrpSpPr>
+        <p:cNvPr id="1" name=""/>
+        <p:cNvGrpSpPr/>
+        <p:nvPr/>
+      </p:nvGrpSpPr>
+      <p:grpSpPr>
+        <a:xfrm>
+          <a:off x="0" y="0"/>
+          <a:ext cx="0" cy="0"/>
+          <a:chOff x="0" y="0"/>
+          <a:chExt cx="0" cy="0"/>
+        </a:xfrm>
+      </p:grpSpPr>
+      <p:sp>
+        <p:nvSpPr>
+          <p:cNvPr id="4" name="TextBox 3"/>
+          <p:cNvSpPr txBox="1"/>
+          <p:nvPr/>
+        </p:nvSpPr>
+        <p:spPr>
+          <a:xfrm>
+            <a:off x="611560" y="1052736"/>
+            <a:ext cx="3714362" cy="523220"/>
+          </a:xfrm>
+          <a:prstGeom prst="rect">
+            <a:avLst/>
+          </a:prstGeom>
+          <a:noFill/>
+        </p:spPr>
+        <p:txBody>
+          <a:bodyPr wrap="square" rtlCol="0">
+            <a:spAutoFit/>
+          </a:bodyPr>
+          <a:lstStyle/>
+          <a:p>
+            <a:r>
+              <a:rPr lang="ru-RU" sz="2800" dirty="0" smtClean="0">
+                <a:ea typeface="Microsoft JhengHei Light" panose="020B0304030504040204" pitchFamily="34" charset="-120"/>
+              </a:rPr>
+              <a:t>Итоговый Результат</a:t>
+            </a:r>
+            <a:endParaRPr lang="ru-RU" sz="2800" dirty="0">
+              <a:ea typeface="Microsoft JhengHei Light" panose="020B0304030504040204" pitchFamily="34" charset="-120"/>
+            </a:endParaRPr>
+          </a:p>
+        </p:txBody>
+      </p:sp>
+      <p:sp>
+        <p:nvSpPr>
+          <p:cNvPr id="5" name="TextBox 4"/>
+          <p:cNvSpPr txBox="1"/>
+          <p:nvPr/>
+        </p:nvSpPr>
+        <p:spPr>
+          <a:xfrm>
+            <a:off x="5580112" y="1052736"/>
+            <a:ext cx="3384376" cy="523220"/>
+          </a:xfrm>
+          <a:prstGeom prst="rect">
+            <a:avLst/>
+          </a:prstGeom>
+          <a:noFill/>
+        </p:spPr>
+        <p:txBody>
+          <a:bodyPr wrap="square" rtlCol="0">
+            <a:spAutoFit/>
+          </a:bodyPr>
+          <a:lstStyle/>
+          <a:p>
+            <a:r>
+              <a:rPr lang="ru-RU" sz="2800" dirty="0" smtClean="0">
+                <a:ea typeface="Microsoft JhengHei Light" panose="020B0304030504040204" pitchFamily="34" charset="-120"/>
+              </a:rPr>
+              <a:t>Макет </a:t>
+            </a:r>
+            <a:r>
+              <a:rPr lang="en-US" sz="2800" dirty="0" err="1" smtClean="0">
+                <a:ea typeface="Microsoft JhengHei Light" panose="020B0304030504040204" pitchFamily="34" charset="-120"/>
+              </a:rPr>
+              <a:t>Figma</a:t>
+            </a:r>
+            <a:endParaRPr lang="ru-RU" sz="2800" dirty="0">
+              <a:ea typeface="Microsoft JhengHei Light" panose="020B0304030504040204" pitchFamily="34" charset="-120"/>
+            </a:endParaRPr>
+          </a:p>
+        </p:txBody>
+      </p:sp>
+      <p:sp>
+        <p:nvSpPr>
+          <p:cNvPr id="2" name="TextBox 1"/>
+          <p:cNvSpPr txBox="1"/>
+          <p:nvPr/>
+        </p:nvSpPr>
+        <p:spPr>
+          <a:xfrm>
+            <a:off x="467544" y="6381328"/>
+            <a:ext cx="4824536" cy="369332"/>
+          </a:xfrm>
+          <a:prstGeom prst="rect">
+            <a:avLst/>
+          </a:prstGeom>
+          <a:noFill/>
+        </p:spPr>
+        <p:txBody>
+          <a:bodyPr wrap="square" rtlCol="0">
+            <a:spAutoFit/>
+          </a:bodyPr>
+          <a:lstStyle/>
+          <a:p>
+            <a:r>
+              <a:rPr lang="ru-RU" dirty="0">
+                <a:ea typeface="Microsoft JhengHei Light" panose="020B0304030504040204" pitchFamily="34" charset="-120"/>
+              </a:rPr>
+              <a:t>Адрес сайта: </a:t>
+            </a:r>
+            <a:r>
+              <a:rPr lang="ru-RU" dirty="0"/>
+              <a:t>http://f0691988.xsph.ru/</a:t>
+            </a:r>
+          </a:p>
+        </p:txBody>
+      </p:sp>
+      <p:pic>
+        <p:nvPicPr>
+          <p:cNvPr id="13314" name="Picture 2"/>
+          <p:cNvPicPr>
+            <a:picLocks noChangeAspect="1" noChangeArrowheads="1"/>
+          </p:cNvPicPr>
+          <p:nvPr/>
+        </p:nvPicPr>
+        <p:blipFill>
+          <a:blip r:embed="rId2">
+            <a:extLst>
+              <a:ext uri="{28A0092B-C50C-407E-A947-70E740481C1C}">
+                <a14:useLocalDpi xmlns:a14="http://schemas.microsoft.com/office/drawing/2010/main" val="0"/>
+              </a:ext>
+            </a:extLst>
+          </a:blip>
+          <a:srcRect/>
+          <a:stretch>
+            <a:fillRect/>
+          </a:stretch>
+        </p:blipFill>
+        <p:spPr bwMode="auto">
+          <a:xfrm>
+            <a:off x="4564055" y="2290722"/>
+            <a:ext cx="4369220" cy="1536682"/>
+          </a:xfrm>
+          <a:prstGeom prst="rect">
+            <a:avLst/>
+          </a:prstGeom>
+          <a:noFill/>
+          <a:ln>
+            <a:noFill/>
+          </a:ln>
+          <a:effectLst/>
+          <a:extLst>
+            <a:ext uri="{909E8E84-426E-40DD-AFC4-6F175D3DCCD1}">
+              <a14:hiddenFill xmlns:a14="http://schemas.microsoft.com/office/drawing/2010/main">
+                <a:solidFill>
+                  <a:schemeClr val="accent1"/>
+                </a:solidFill>
+              </a14:hiddenFill>
+            </a:ext>
+            <a:ext uri="{91240B29-F687-4F45-9708-019B960494DF}">
+              <a14:hiddenLine xmlns:a14="http://schemas.microsoft.com/office/drawing/2010/main" w="9525">
+                <a:solidFill>
+                  <a:schemeClr val="tx1"/>
+                </a:solidFill>
+                <a:miter lim="800000"/>
+                <a:headEnd/>
+                <a:tailEnd/>
+              </a14:hiddenLine>
+            </a:ext>
+            <a:ext uri="{AF507438-7753-43E0-B8FC-AC1667EBCBE1}">
+              <a14:hiddenEffects xmlns:a14="http://schemas.microsoft.com/office/drawing/2010/main">
+                <a:effectLst>
+                  <a:outerShdw dist="35921" dir="2700000" algn="ctr" rotWithShape="0">
+                    <a:schemeClr val="bg2"/>
+                  </a:outerShdw>
+                </a:effectLst>
+              </a14:hiddenEffects>
+            </a:ext>
+          </a:extLst>
+        </p:spPr>
+      </p:pic>
+      <p:pic>
+        <p:nvPicPr>
+          <p:cNvPr id="13315" name="Picture 3"/>
+          <p:cNvPicPr>
+            <a:picLocks noChangeAspect="1" noChangeArrowheads="1"/>
+          </p:cNvPicPr>
+          <p:nvPr/>
+        </p:nvPicPr>
+        <p:blipFill>
+          <a:blip r:embed="rId3">
+            <a:extLst>
+              <a:ext uri="{28A0092B-C50C-407E-A947-70E740481C1C}">
+                <a14:useLocalDpi xmlns:a14="http://schemas.microsoft.com/office/drawing/2010/main" val="0"/>
+              </a:ext>
+            </a:extLst>
+          </a:blip>
+          <a:srcRect/>
+          <a:stretch>
+            <a:fillRect/>
+          </a:stretch>
+        </p:blipFill>
+        <p:spPr bwMode="auto">
+          <a:xfrm>
+            <a:off x="130039" y="2330175"/>
+            <a:ext cx="4038118" cy="1479880"/>
+          </a:xfrm>
+          <a:prstGeom prst="rect">
+            <a:avLst/>
+          </a:prstGeom>
+          <a:noFill/>
+          <a:ln>
+            <a:noFill/>
+          </a:ln>
+          <a:effectLst/>
+          <a:extLst>
+            <a:ext uri="{909E8E84-426E-40DD-AFC4-6F175D3DCCD1}">
+              <a14:hiddenFill xmlns:a14="http://schemas.microsoft.com/office/drawing/2010/main">
+                <a:solidFill>
+                  <a:schemeClr val="accent1"/>
+                </a:solidFill>
+              </a14:hiddenFill>
+            </a:ext>
+            <a:ext uri="{91240B29-F687-4F45-9708-019B960494DF}">
+              <a14:hiddenLine xmlns:a14="http://schemas.microsoft.com/office/drawing/2010/main" w="9525">
+                <a:solidFill>
+                  <a:schemeClr val="tx1"/>
+                </a:solidFill>
+                <a:miter lim="800000"/>
+                <a:headEnd/>
+                <a:tailEnd/>
+              </a14:hiddenLine>
+            </a:ext>
+            <a:ext uri="{AF507438-7753-43E0-B8FC-AC1667EBCBE1}">
+              <a14:hiddenEffects xmlns:a14="http://schemas.microsoft.com/office/drawing/2010/main">
+                <a:effectLst>
+                  <a:outerShdw dist="35921" dir="2700000" algn="ctr" rotWithShape="0">
+                    <a:schemeClr val="bg2"/>
+                  </a:outerShdw>
+                </a:effectLst>
+              </a14:hiddenEffects>
+            </a:ext>
+          </a:extLst>
+        </p:spPr>
+      </p:pic>
+    </p:spTree>
+    <p:extLst>
+      <p:ext uri="{BB962C8B-B14F-4D97-AF65-F5344CB8AC3E}">
+        <p14:creationId xmlns:p14="http://schemas.microsoft.com/office/powerpoint/2010/main" val="2960896210"/>
+      </p:ext>
+    </p:extLst>
+  </p:cSld>
+  <p:clrMapOvr>
+    <a:masterClrMapping/>
+  </p:clrMapOvr>
+  <p:timing>
+    <p:tnLst>
+      <p:par>
+        <p:cTn id="1" dur="indefinite" restart="never" nodeType="tmRoot"/>
+      </p:par>
+    </p:tnLst>
+  </p:timing>
+</p:sld>
+</file>
+
+<file path=ppt/slides/slide15.xml><?xml version="1.0" encoding="utf-8"?>
+<p:sld xmlns:a="http://schemas.openxmlformats.org/drawingml/2006/main" xmlns:r="http://schemas.openxmlformats.org/officeDocument/2006/relationships" xmlns:p="http://schemas.openxmlformats.org/presentationml/2006/main">
+  <p:cSld>
+    <p:spTree>
+      <p:nvGrpSpPr>
+        <p:cNvPr id="1" name=""/>
+        <p:cNvGrpSpPr/>
+        <p:nvPr/>
+      </p:nvGrpSpPr>
+      <p:grpSpPr>
+        <a:xfrm>
+          <a:off x="0" y="0"/>
+          <a:ext cx="0" cy="0"/>
+          <a:chOff x="0" y="0"/>
+          <a:chExt cx="0" cy="0"/>
+        </a:xfrm>
+      </p:grpSpPr>
+      <p:sp>
+        <p:nvSpPr>
+          <p:cNvPr id="4" name="TextBox 3"/>
+          <p:cNvSpPr txBox="1"/>
+          <p:nvPr/>
+        </p:nvSpPr>
+        <p:spPr>
+          <a:xfrm>
+            <a:off x="1475656" y="469250"/>
+            <a:ext cx="6309634" cy="461665"/>
+          </a:xfrm>
+          <a:prstGeom prst="rect">
+            <a:avLst/>
+          </a:prstGeom>
+          <a:noFill/>
+        </p:spPr>
+        <p:txBody>
+          <a:bodyPr wrap="square" rtlCol="0">
+            <a:spAutoFit/>
+          </a:bodyPr>
+          <a:lstStyle/>
+          <a:p>
+            <a:r>
+              <a:rPr lang="ru-RU" sz="2400" dirty="0" smtClean="0"/>
+              <a:t>Мобильная адаптация сайта на браузере </a:t>
+            </a:r>
+            <a:r>
+              <a:rPr lang="en-US" sz="2400" dirty="0" smtClean="0"/>
+              <a:t>Safari</a:t>
+            </a:r>
+            <a:endParaRPr lang="ru-RU" sz="2400" dirty="0"/>
+          </a:p>
+        </p:txBody>
+      </p:sp>
+      <p:pic>
+        <p:nvPicPr>
+          <p:cNvPr id="5" name="Рисунок 4" descr="C:\Users\ADMIN~1.SPB\AppData\Local\Temp\vmware-admin\VMwareDnD\c12012bf\photo_5327955640368348130_y.jpg"/>
+          <p:cNvPicPr/>
+          <p:nvPr/>
+        </p:nvPicPr>
+        <p:blipFill>
+          <a:blip r:embed="rId2" cstate="print">
+            <a:extLst>
+              <a:ext uri="{28A0092B-C50C-407E-A947-70E740481C1C}">
+                <a14:useLocalDpi xmlns:a14="http://schemas.microsoft.com/office/drawing/2010/main" val="0"/>
+              </a:ext>
+            </a:extLst>
+          </a:blip>
+          <a:srcRect/>
+          <a:stretch>
+            <a:fillRect/>
+          </a:stretch>
+        </p:blipFill>
+        <p:spPr bwMode="auto">
+          <a:xfrm>
+            <a:off x="3203848" y="1052736"/>
+            <a:ext cx="3253895" cy="5068176"/>
+          </a:xfrm>
+          <a:prstGeom prst="rect">
+            <a:avLst/>
+          </a:prstGeom>
+          <a:noFill/>
+          <a:ln>
+            <a:noFill/>
+          </a:ln>
+        </p:spPr>
+      </p:pic>
+    </p:spTree>
+    <p:extLst>
+      <p:ext uri="{BB962C8B-B14F-4D97-AF65-F5344CB8AC3E}">
+        <p14:creationId xmlns:p14="http://schemas.microsoft.com/office/powerpoint/2010/main" val="1322875856"/>
+      </p:ext>
+    </p:extLst>
+  </p:cSld>
+  <p:clrMapOvr>
+    <a:masterClrMapping/>
+  </p:clrMapOvr>
+</p:sld>
+</file>
+
+<file path=ppt/slides/slide16.xml><?xml version="1.0" encoding="utf-8"?>
+<p:sld xmlns:a="http://schemas.openxmlformats.org/drawingml/2006/main" xmlns:r="http://schemas.openxmlformats.org/officeDocument/2006/relationships" xmlns:p="http://schemas.openxmlformats.org/presentationml/2006/main">
+  <p:cSld>
+    <p:spTree>
+      <p:nvGrpSpPr>
+        <p:cNvPr id="1" name=""/>
+        <p:cNvGrpSpPr/>
+        <p:nvPr/>
+      </p:nvGrpSpPr>
+      <p:grpSpPr>
+        <a:xfrm>
+          <a:off x="0" y="0"/>
+          <a:ext cx="0" cy="0"/>
+          <a:chOff x="0" y="0"/>
+          <a:chExt cx="0" cy="0"/>
+        </a:xfrm>
+      </p:grpSpPr>
+      <p:sp>
+        <p:nvSpPr>
           <p:cNvPr id="2" name="Заголовок 1"/>
           <p:cNvSpPr>
             <a:spLocks noGrp="1"/>
@@ -3780,13 +4651,13 @@
           <a:p>
             <a:r>
               <a:rPr lang="ru-RU" dirty="0" smtClean="0">
-                <a:latin typeface="Bahnschrift Light SemiCondensed" pitchFamily="34" charset="0"/>
+                <a:latin typeface="+mn-lt"/>
                 <a:ea typeface="Microsoft JhengHei Light" panose="020B0304030504040204" pitchFamily="34" charset="-120"/>
               </a:rPr>
-              <a:t>Спасибо за внимание</a:t>
+              <a:t>Спасибо за внимание!</a:t>
             </a:r>
             <a:endParaRPr lang="ru-RU" dirty="0">
-              <a:latin typeface="Bahnschrift Light SemiCondensed" pitchFamily="34" charset="0"/>
+              <a:latin typeface="+mn-lt"/>
               <a:ea typeface="Microsoft JhengHei Light" panose="020B0304030504040204" pitchFamily="34" charset="-120"/>
             </a:endParaRPr>
           </a:p>
@@ -3839,18 +4710,82 @@
           <a:p>
             <a:r>
               <a:rPr lang="ru-RU" dirty="0" smtClean="0">
-                <a:latin typeface="Bahnschrift Light SemiCondensed" pitchFamily="34" charset="0"/>
+                <a:latin typeface="+mn-lt"/>
                 <a:ea typeface="Microsoft JhengHei Light" panose="020B0304030504040204" pitchFamily="34" charset="-120"/>
               </a:rPr>
               <a:t>Размещение на хостинг</a:t>
             </a:r>
             <a:endParaRPr lang="ru-RU" dirty="0">
-              <a:latin typeface="Bahnschrift Light SemiCondensed" pitchFamily="34" charset="0"/>
+              <a:latin typeface="+mn-lt"/>
               <a:ea typeface="Microsoft JhengHei Light" panose="020B0304030504040204" pitchFamily="34" charset="-120"/>
             </a:endParaRPr>
           </a:p>
         </p:txBody>
       </p:sp>
+      <p:pic>
+        <p:nvPicPr>
+          <p:cNvPr id="1026" name="Picture 2"/>
+          <p:cNvPicPr>
+            <a:picLocks noChangeAspect="1" noChangeArrowheads="1"/>
+          </p:cNvPicPr>
+          <p:nvPr/>
+        </p:nvPicPr>
+        <p:blipFill>
+          <a:blip r:embed="rId2">
+            <a:extLst>
+              <a:ext uri="{28A0092B-C50C-407E-A947-70E740481C1C}">
+                <a14:useLocalDpi xmlns:a14="http://schemas.microsoft.com/office/drawing/2010/main" val="0"/>
+              </a:ext>
+            </a:extLst>
+          </a:blip>
+          <a:srcRect/>
+          <a:stretch>
+            <a:fillRect/>
+          </a:stretch>
+        </p:blipFill>
+        <p:spPr bwMode="auto">
+          <a:xfrm>
+            <a:off x="1187624" y="1340768"/>
+            <a:ext cx="6984776" cy="4558028"/>
+          </a:xfrm>
+          <a:prstGeom prst="rect">
+            <a:avLst/>
+          </a:prstGeom>
+          <a:noFill/>
+          <a:ln>
+            <a:noFill/>
+          </a:ln>
+          <a:effectLst/>
+          <a:extLst>
+            <a:ext uri="{909E8E84-426E-40DD-AFC4-6F175D3DCCD1}">
+              <a14:hiddenFill xmlns:a14="http://schemas.microsoft.com/office/drawing/2010/main">
+                <a:solidFill>
+                  <a:schemeClr val="accent1"/>
+                </a:solidFill>
+              </a14:hiddenFill>
+            </a:ext>
+            <a:ext uri="{91240B29-F687-4F45-9708-019B960494DF}">
+              <a14:hiddenLine xmlns:a14="http://schemas.microsoft.com/office/drawing/2010/main" w="9525">
+                <a:solidFill>
+                  <a:schemeClr val="tx1"/>
+                </a:solidFill>
+                <a:miter lim="800000"/>
+                <a:headEnd/>
+                <a:tailEnd/>
+              </a14:hiddenLine>
+            </a:ext>
+            <a:ext uri="{AF507438-7753-43E0-B8FC-AC1667EBCBE1}">
+              <a14:hiddenEffects xmlns:a14="http://schemas.microsoft.com/office/drawing/2010/main">
+                <a:effectLst>
+                  <a:outerShdw dist="35921" dir="2700000" algn="ctr" rotWithShape="0">
+                    <a:schemeClr val="bg2"/>
+                  </a:outerShdw>
+                </a:effectLst>
+              </a14:hiddenEffects>
+            </a:ext>
+          </a:extLst>
+        </p:spPr>
+      </p:pic>
     </p:spTree>
     <p:extLst>
       <p:ext uri="{BB962C8B-B14F-4D97-AF65-F5344CB8AC3E}">
@@ -3905,39 +4840,103 @@
           <a:p>
             <a:r>
               <a:rPr lang="ru-RU" dirty="0" smtClean="0">
-                <a:latin typeface="Bahnschrift Light SemiCondensed" pitchFamily="34" charset="0"/>
+                <a:latin typeface="+mn-lt"/>
                 <a:ea typeface="Microsoft JhengHei Light" panose="020B0304030504040204" pitchFamily="34" charset="-120"/>
               </a:rPr>
               <a:t>Размещение на </a:t>
             </a:r>
             <a:r>
               <a:rPr lang="en-US" dirty="0" err="1" smtClean="0">
-                <a:latin typeface="Bahnschrift Light SemiCondensed" pitchFamily="34" charset="0"/>
+                <a:latin typeface="+mn-lt"/>
                 <a:ea typeface="Microsoft JhengHei Light" panose="020B0304030504040204" pitchFamily="34" charset="-120"/>
               </a:rPr>
               <a:t>Git</a:t>
             </a:r>
             <a:r>
               <a:rPr lang="en-US" dirty="0" err="1">
-                <a:latin typeface="Bahnschrift Light SemiCondensed" pitchFamily="34" charset="0"/>
+                <a:latin typeface="+mn-lt"/>
                 <a:ea typeface="Microsoft JhengHei Light" panose="020B0304030504040204" pitchFamily="34" charset="-120"/>
               </a:rPr>
               <a:t>h</a:t>
             </a:r>
             <a:r>
               <a:rPr lang="en-US" dirty="0" err="1" smtClean="0">
-                <a:latin typeface="Bahnschrift Light SemiCondensed" pitchFamily="34" charset="0"/>
+                <a:latin typeface="+mn-lt"/>
                 <a:ea typeface="Microsoft JhengHei Light" panose="020B0304030504040204" pitchFamily="34" charset="-120"/>
               </a:rPr>
               <a:t>ub</a:t>
             </a:r>
             <a:endParaRPr lang="ru-RU" dirty="0">
-              <a:latin typeface="Bahnschrift Light SemiCondensed" pitchFamily="34" charset="0"/>
+              <a:latin typeface="+mn-lt"/>
               <a:ea typeface="Microsoft JhengHei Light" panose="020B0304030504040204" pitchFamily="34" charset="-120"/>
             </a:endParaRPr>
           </a:p>
         </p:txBody>
       </p:sp>
+      <p:pic>
+        <p:nvPicPr>
+          <p:cNvPr id="2050" name="Picture 2"/>
+          <p:cNvPicPr>
+            <a:picLocks noChangeAspect="1" noChangeArrowheads="1"/>
+          </p:cNvPicPr>
+          <p:nvPr/>
+        </p:nvPicPr>
+        <p:blipFill>
+          <a:blip r:embed="rId2">
+            <a:extLst>
+              <a:ext uri="{28A0092B-C50C-407E-A947-70E740481C1C}">
+                <a14:useLocalDpi xmlns:a14="http://schemas.microsoft.com/office/drawing/2010/main" val="0"/>
+              </a:ext>
+            </a:extLst>
+          </a:blip>
+          <a:srcRect/>
+          <a:stretch>
+            <a:fillRect/>
+          </a:stretch>
+        </p:blipFill>
+        <p:spPr bwMode="auto">
+          <a:xfrm>
+            <a:off x="683568" y="1368952"/>
+            <a:ext cx="7907338" cy="4176464"/>
+          </a:xfrm>
+          <a:prstGeom prst="rect">
+            <a:avLst/>
+          </a:prstGeom>
+          <a:noFill/>
+          <a:ln>
+            <a:noFill/>
+          </a:ln>
+          <a:effectLst/>
+          <a:extLst>
+            <a:ext uri="{909E8E84-426E-40DD-AFC4-6F175D3DCCD1}">
+              <a14:hiddenFill xmlns:a14="http://schemas.microsoft.com/office/drawing/2010/main">
+                <a:solidFill>
+                  <a:schemeClr val="accent1"/>
+                </a:solidFill>
+              </a14:hiddenFill>
+            </a:ext>
+            <a:ext uri="{91240B29-F687-4F45-9708-019B960494DF}">
+              <a14:hiddenLine xmlns:a14="http://schemas.microsoft.com/office/drawing/2010/main" w="9525">
+                <a:solidFill>
+                  <a:schemeClr val="tx1"/>
+                </a:solidFill>
+                <a:miter lim="800000"/>
+                <a:headEnd/>
+                <a:tailEnd/>
+              </a14:hiddenLine>
+            </a:ext>
+            <a:ext uri="{AF507438-7753-43E0-B8FC-AC1667EBCBE1}">
+              <a14:hiddenEffects xmlns:a14="http://schemas.microsoft.com/office/drawing/2010/main">
+                <a:effectLst>
+                  <a:outerShdw dist="35921" dir="2700000" algn="ctr" rotWithShape="0">
+                    <a:schemeClr val="bg2"/>
+                  </a:outerShdw>
+                </a:effectLst>
+              </a14:hiddenEffects>
+            </a:ext>
+          </a:extLst>
+        </p:spPr>
+      </p:pic>
     </p:spTree>
     <p:extLst>
       <p:ext uri="{BB962C8B-B14F-4D97-AF65-F5344CB8AC3E}">
@@ -3999,10 +4998,17 @@
           <a:p>
             <a:r>
               <a:rPr lang="ru-RU" sz="2400" dirty="0" smtClean="0">
+                <a:latin typeface="+mn-lt"/>
+                <a:ea typeface="Microsoft JhengHei Light" panose="020B0304030504040204" pitchFamily="34" charset="-120"/>
+              </a:rPr>
+              <a:t>Макет</a:t>
+            </a:r>
+            <a:r>
+              <a:rPr lang="ru-RU" sz="2400" dirty="0" smtClean="0">
                 <a:latin typeface="Bahnschrift Light SemiCondensed" pitchFamily="34" charset="0"/>
                 <a:ea typeface="Microsoft JhengHei Light" panose="020B0304030504040204" pitchFamily="34" charset="-120"/>
               </a:rPr>
-              <a:t>Макет </a:t>
+              <a:t> </a:t>
             </a:r>
             <a:r>
               <a:rPr lang="en-US" sz="2400" dirty="0" err="1" smtClean="0">
@@ -4018,6 +5024,70 @@
           </a:p>
         </p:txBody>
       </p:sp>
+      <p:pic>
+        <p:nvPicPr>
+          <p:cNvPr id="3074" name="Picture 2"/>
+          <p:cNvPicPr>
+            <a:picLocks noChangeAspect="1" noChangeArrowheads="1"/>
+          </p:cNvPicPr>
+          <p:nvPr/>
+        </p:nvPicPr>
+        <p:blipFill>
+          <a:blip r:embed="rId2">
+            <a:extLst>
+              <a:ext uri="{28A0092B-C50C-407E-A947-70E740481C1C}">
+                <a14:useLocalDpi xmlns:a14="http://schemas.microsoft.com/office/drawing/2010/main" val="0"/>
+              </a:ext>
+            </a:extLst>
+          </a:blip>
+          <a:srcRect/>
+          <a:stretch>
+            <a:fillRect/>
+          </a:stretch>
+        </p:blipFill>
+        <p:spPr bwMode="auto">
+          <a:xfrm>
+            <a:off x="3137288" y="908720"/>
+            <a:ext cx="2804348" cy="5465464"/>
+          </a:xfrm>
+          <a:prstGeom prst="rect">
+            <a:avLst/>
+          </a:prstGeom>
+          <a:noFill/>
+          <a:ln>
+            <a:noFill/>
+          </a:ln>
+          <a:effectLst/>
+          <a:extLst>
+            <a:ext uri="{909E8E84-426E-40DD-AFC4-6F175D3DCCD1}">
+              <a14:hiddenFill xmlns:a14="http://schemas.microsoft.com/office/drawing/2010/main">
+                <a:solidFill>
+                  <a:schemeClr val="accent1"/>
+                </a:solidFill>
+              </a14:hiddenFill>
+            </a:ext>
+            <a:ext uri="{91240B29-F687-4F45-9708-019B960494DF}">
+              <a14:hiddenLine xmlns:a14="http://schemas.microsoft.com/office/drawing/2010/main" w="9525">
+                <a:solidFill>
+                  <a:schemeClr val="tx1"/>
+                </a:solidFill>
+                <a:miter lim="800000"/>
+                <a:headEnd/>
+                <a:tailEnd/>
+              </a14:hiddenLine>
+            </a:ext>
+            <a:ext uri="{AF507438-7753-43E0-B8FC-AC1667EBCBE1}">
+              <a14:hiddenEffects xmlns:a14="http://schemas.microsoft.com/office/drawing/2010/main">
+                <a:effectLst>
+                  <a:outerShdw dist="35921" dir="2700000" algn="ctr" rotWithShape="0">
+                    <a:schemeClr val="bg2"/>
+                  </a:outerShdw>
+                </a:effectLst>
+              </a14:hiddenEffects>
+            </a:ext>
+          </a:extLst>
+        </p:spPr>
+      </p:pic>
     </p:spTree>
     <p:extLst>
       <p:ext uri="{BB962C8B-B14F-4D97-AF65-F5344CB8AC3E}">
@@ -4055,6 +5125,70 @@
           <a:chExt cx="0" cy="0"/>
         </a:xfrm>
       </p:grpSpPr>
+      <p:pic>
+        <p:nvPicPr>
+          <p:cNvPr id="4098" name="Picture 2"/>
+          <p:cNvPicPr>
+            <a:picLocks noChangeAspect="1" noChangeArrowheads="1"/>
+          </p:cNvPicPr>
+          <p:nvPr/>
+        </p:nvPicPr>
+        <p:blipFill>
+          <a:blip r:embed="rId2">
+            <a:extLst>
+              <a:ext uri="{28A0092B-C50C-407E-A947-70E740481C1C}">
+                <a14:useLocalDpi xmlns:a14="http://schemas.microsoft.com/office/drawing/2010/main" val="0"/>
+              </a:ext>
+            </a:extLst>
+          </a:blip>
+          <a:srcRect/>
+          <a:stretch>
+            <a:fillRect/>
+          </a:stretch>
+        </p:blipFill>
+        <p:spPr bwMode="auto">
+          <a:xfrm>
+            <a:off x="2781300" y="304800"/>
+            <a:ext cx="3581400" cy="6248400"/>
+          </a:xfrm>
+          <a:prstGeom prst="rect">
+            <a:avLst/>
+          </a:prstGeom>
+          <a:noFill/>
+          <a:ln>
+            <a:noFill/>
+          </a:ln>
+          <a:effectLst/>
+          <a:extLst>
+            <a:ext uri="{909E8E84-426E-40DD-AFC4-6F175D3DCCD1}">
+              <a14:hiddenFill xmlns:a14="http://schemas.microsoft.com/office/drawing/2010/main">
+                <a:solidFill>
+                  <a:schemeClr val="accent1"/>
+                </a:solidFill>
+              </a14:hiddenFill>
+            </a:ext>
+            <a:ext uri="{91240B29-F687-4F45-9708-019B960494DF}">
+              <a14:hiddenLine xmlns:a14="http://schemas.microsoft.com/office/drawing/2010/main" w="9525">
+                <a:solidFill>
+                  <a:schemeClr val="tx1"/>
+                </a:solidFill>
+                <a:miter lim="800000"/>
+                <a:headEnd/>
+                <a:tailEnd/>
+              </a14:hiddenLine>
+            </a:ext>
+            <a:ext uri="{AF507438-7753-43E0-B8FC-AC1667EBCBE1}">
+              <a14:hiddenEffects xmlns:a14="http://schemas.microsoft.com/office/drawing/2010/main">
+                <a:effectLst>
+                  <a:outerShdw dist="35921" dir="2700000" algn="ctr" rotWithShape="0">
+                    <a:schemeClr val="bg2"/>
+                  </a:outerShdw>
+                </a:effectLst>
+              </a14:hiddenEffects>
+            </a:ext>
+          </a:extLst>
+        </p:spPr>
+      </p:pic>
     </p:spTree>
     <p:extLst>
       <p:ext uri="{BB962C8B-B14F-4D97-AF65-F5344CB8AC3E}">
@@ -4092,6 +5226,70 @@
           <a:chExt cx="0" cy="0"/>
         </a:xfrm>
       </p:grpSpPr>
+      <p:pic>
+        <p:nvPicPr>
+          <p:cNvPr id="5122" name="Picture 2"/>
+          <p:cNvPicPr>
+            <a:picLocks noChangeAspect="1" noChangeArrowheads="1"/>
+          </p:cNvPicPr>
+          <p:nvPr/>
+        </p:nvPicPr>
+        <p:blipFill>
+          <a:blip r:embed="rId2">
+            <a:extLst>
+              <a:ext uri="{28A0092B-C50C-407E-A947-70E740481C1C}">
+                <a14:useLocalDpi xmlns:a14="http://schemas.microsoft.com/office/drawing/2010/main" val="0"/>
+              </a:ext>
+            </a:extLst>
+          </a:blip>
+          <a:srcRect/>
+          <a:stretch>
+            <a:fillRect/>
+          </a:stretch>
+        </p:blipFill>
+        <p:spPr bwMode="auto">
+          <a:xfrm>
+            <a:off x="1280586" y="548680"/>
+            <a:ext cx="6601012" cy="5056094"/>
+          </a:xfrm>
+          <a:prstGeom prst="rect">
+            <a:avLst/>
+          </a:prstGeom>
+          <a:noFill/>
+          <a:ln>
+            <a:noFill/>
+          </a:ln>
+          <a:effectLst/>
+          <a:extLst>
+            <a:ext uri="{909E8E84-426E-40DD-AFC4-6F175D3DCCD1}">
+              <a14:hiddenFill xmlns:a14="http://schemas.microsoft.com/office/drawing/2010/main">
+                <a:solidFill>
+                  <a:schemeClr val="accent1"/>
+                </a:solidFill>
+              </a14:hiddenFill>
+            </a:ext>
+            <a:ext uri="{91240B29-F687-4F45-9708-019B960494DF}">
+              <a14:hiddenLine xmlns:a14="http://schemas.microsoft.com/office/drawing/2010/main" w="9525">
+                <a:solidFill>
+                  <a:schemeClr val="tx1"/>
+                </a:solidFill>
+                <a:miter lim="800000"/>
+                <a:headEnd/>
+                <a:tailEnd/>
+              </a14:hiddenLine>
+            </a:ext>
+            <a:ext uri="{AF507438-7753-43E0-B8FC-AC1667EBCBE1}">
+              <a14:hiddenEffects xmlns:a14="http://schemas.microsoft.com/office/drawing/2010/main">
+                <a:effectLst>
+                  <a:outerShdw dist="35921" dir="2700000" algn="ctr" rotWithShape="0">
+                    <a:schemeClr val="bg2"/>
+                  </a:outerShdw>
+                </a:effectLst>
+              </a14:hiddenEffects>
+            </a:ext>
+          </a:extLst>
+        </p:spPr>
+      </p:pic>
     </p:spTree>
     <p:extLst>
       <p:ext uri="{BB962C8B-B14F-4D97-AF65-F5344CB8AC3E}">
@@ -4137,7 +5335,7 @@
         </p:nvSpPr>
         <p:spPr>
           <a:xfrm>
-            <a:off x="611560" y="745735"/>
+            <a:off x="539552" y="484125"/>
             <a:ext cx="3672408" cy="523220"/>
           </a:xfrm>
           <a:prstGeom prst="rect">
@@ -4153,13 +5351,11 @@
           <a:p>
             <a:r>
               <a:rPr lang="ru-RU" sz="2800" dirty="0" smtClean="0">
-                <a:latin typeface="Bahnschrift Light SemiCondensed" pitchFamily="34" charset="0"/>
                 <a:ea typeface="Microsoft JhengHei Light" panose="020B0304030504040204" pitchFamily="34" charset="-120"/>
               </a:rPr>
               <a:t>Итоговый Результат</a:t>
             </a:r>
             <a:endParaRPr lang="ru-RU" sz="2800" dirty="0">
-              <a:latin typeface="Bahnschrift Light SemiCondensed" pitchFamily="34" charset="0"/>
               <a:ea typeface="Microsoft JhengHei Light" panose="020B0304030504040204" pitchFamily="34" charset="-120"/>
             </a:endParaRPr>
           </a:p>
@@ -4173,7 +5369,7 @@
         </p:nvSpPr>
         <p:spPr>
           <a:xfrm>
-            <a:off x="6012160" y="745735"/>
+            <a:off x="6012160" y="484125"/>
             <a:ext cx="3384376" cy="523220"/>
           </a:xfrm>
           <a:prstGeom prst="rect">
@@ -4189,25 +5385,150 @@
           <a:p>
             <a:r>
               <a:rPr lang="ru-RU" sz="2800" dirty="0" smtClean="0">
-                <a:latin typeface="Bahnschrift Light SemiCondensed" pitchFamily="34" charset="0"/>
                 <a:ea typeface="Microsoft JhengHei Light" panose="020B0304030504040204" pitchFamily="34" charset="-120"/>
               </a:rPr>
               <a:t>Макет </a:t>
             </a:r>
             <a:r>
               <a:rPr lang="en-US" sz="2800" dirty="0" err="1" smtClean="0">
-                <a:latin typeface="Bahnschrift Light SemiCondensed" pitchFamily="34" charset="0"/>
                 <a:ea typeface="Microsoft JhengHei Light" panose="020B0304030504040204" pitchFamily="34" charset="-120"/>
               </a:rPr>
               <a:t>Figma</a:t>
             </a:r>
             <a:endParaRPr lang="ru-RU" sz="2800" dirty="0">
-              <a:latin typeface="Bahnschrift Light SemiCondensed" pitchFamily="34" charset="0"/>
               <a:ea typeface="Microsoft JhengHei Light" panose="020B0304030504040204" pitchFamily="34" charset="-120"/>
             </a:endParaRPr>
           </a:p>
         </p:txBody>
       </p:sp>
+      <p:pic>
+        <p:nvPicPr>
+          <p:cNvPr id="6146" name="Picture 2"/>
+          <p:cNvPicPr>
+            <a:picLocks noChangeAspect="1" noChangeArrowheads="1"/>
+          </p:cNvPicPr>
+          <p:nvPr/>
+        </p:nvPicPr>
+        <p:blipFill>
+          <a:blip r:embed="rId2" cstate="print">
+            <a:extLst>
+              <a:ext uri="{28A0092B-C50C-407E-A947-70E740481C1C}">
+                <a14:useLocalDpi xmlns:a14="http://schemas.microsoft.com/office/drawing/2010/main" val="0"/>
+              </a:ext>
+            </a:extLst>
+          </a:blip>
+          <a:srcRect/>
+          <a:stretch>
+            <a:fillRect/>
+          </a:stretch>
+        </p:blipFill>
+        <p:spPr bwMode="auto">
+          <a:xfrm>
+            <a:off x="62862" y="1196752"/>
+            <a:ext cx="4293114" cy="2561530"/>
+          </a:xfrm>
+          <a:prstGeom prst="rect">
+            <a:avLst/>
+          </a:prstGeom>
+          <a:noFill/>
+          <a:ln>
+            <a:noFill/>
+          </a:ln>
+          <a:effectLst/>
+          <a:extLst>
+            <a:ext uri="{909E8E84-426E-40DD-AFC4-6F175D3DCCD1}">
+              <a14:hiddenFill xmlns:a14="http://schemas.microsoft.com/office/drawing/2010/main">
+                <a:solidFill>
+                  <a:schemeClr val="accent1"/>
+                </a:solidFill>
+              </a14:hiddenFill>
+            </a:ext>
+            <a:ext uri="{91240B29-F687-4F45-9708-019B960494DF}">
+              <a14:hiddenLine xmlns:a14="http://schemas.microsoft.com/office/drawing/2010/main" w="9525">
+                <a:solidFill>
+                  <a:schemeClr val="tx1"/>
+                </a:solidFill>
+                <a:miter lim="800000"/>
+                <a:headEnd/>
+                <a:tailEnd/>
+              </a14:hiddenLine>
+            </a:ext>
+            <a:ext uri="{AF507438-7753-43E0-B8FC-AC1667EBCBE1}">
+              <a14:hiddenEffects xmlns:a14="http://schemas.microsoft.com/office/drawing/2010/main">
+                <a:effectLst>
+                  <a:outerShdw dist="35921" dir="2700000" algn="ctr" rotWithShape="0">
+                    <a:schemeClr val="bg2"/>
+                  </a:outerShdw>
+                </a:effectLst>
+              </a14:hiddenEffects>
+            </a:ext>
+          </a:extLst>
+        </p:spPr>
+      </p:pic>
+      <p:pic>
+        <p:nvPicPr>
+          <p:cNvPr id="6147" name="Picture 3"/>
+          <p:cNvPicPr>
+            <a:picLocks noChangeAspect="1" noChangeArrowheads="1"/>
+          </p:cNvPicPr>
+          <p:nvPr/>
+        </p:nvPicPr>
+        <p:blipFill>
+          <a:blip r:embed="rId3">
+            <a:extLst>
+              <a:ext uri="{28A0092B-C50C-407E-A947-70E740481C1C}">
+                <a14:useLocalDpi xmlns:a14="http://schemas.microsoft.com/office/drawing/2010/main" val="0"/>
+              </a:ext>
+            </a:extLst>
+          </a:blip>
+          <a:srcRect/>
+          <a:stretch>
+            <a:fillRect/>
+          </a:stretch>
+        </p:blipFill>
+        <p:spPr bwMode="auto">
+          <a:xfrm>
+            <a:off x="4582870" y="1196752"/>
+            <a:ext cx="4238997" cy="2561530"/>
+          </a:xfrm>
+          <a:prstGeom prst="rect">
+            <a:avLst/>
+          </a:prstGeom>
+          <a:noFill/>
+          <a:ln>
+            <a:noFill/>
+          </a:ln>
+          <a:effectLst/>
+          <a:extLst>
+            <a:ext uri="{909E8E84-426E-40DD-AFC4-6F175D3DCCD1}">
+              <a14:hiddenFill xmlns:a14="http://schemas.microsoft.com/office/drawing/2010/main">
+                <a:solidFill>
+                  <a:schemeClr val="accent1"/>
+                </a:solidFill>
+              </a14:hiddenFill>
+            </a:ext>
+            <a:ext uri="{91240B29-F687-4F45-9708-019B960494DF}">
+              <a14:hiddenLine xmlns:a14="http://schemas.microsoft.com/office/drawing/2010/main" w="9525">
+                <a:solidFill>
+                  <a:schemeClr val="tx1"/>
+                </a:solidFill>
+                <a:miter lim="800000"/>
+                <a:headEnd/>
+                <a:tailEnd/>
+              </a14:hiddenLine>
+            </a:ext>
+            <a:ext uri="{AF507438-7753-43E0-B8FC-AC1667EBCBE1}">
+              <a14:hiddenEffects xmlns:a14="http://schemas.microsoft.com/office/drawing/2010/main">
+                <a:effectLst>
+                  <a:outerShdw dist="35921" dir="2700000" algn="ctr" rotWithShape="0">
+                    <a:schemeClr val="bg2"/>
+                  </a:outerShdw>
+                </a:effectLst>
+              </a14:hiddenEffects>
+            </a:ext>
+          </a:extLst>
+        </p:spPr>
+      </p:pic>
     </p:spTree>
     <p:extLst>
       <p:ext uri="{BB962C8B-B14F-4D97-AF65-F5344CB8AC3E}">
@@ -4269,13 +5590,11 @@
           <a:p>
             <a:r>
               <a:rPr lang="ru-RU" sz="2800" dirty="0" smtClean="0">
-                <a:latin typeface="Bahnschrift Light SemiCondensed" pitchFamily="34" charset="0"/>
                 <a:ea typeface="Microsoft JhengHei Light" panose="020B0304030504040204" pitchFamily="34" charset="-120"/>
               </a:rPr>
               <a:t>Итоговый Результат</a:t>
             </a:r>
             <a:endParaRPr lang="ru-RU" sz="2800" dirty="0">
-              <a:latin typeface="Bahnschrift Light SemiCondensed" pitchFamily="34" charset="0"/>
               <a:ea typeface="Microsoft JhengHei Light" panose="020B0304030504040204" pitchFamily="34" charset="-120"/>
             </a:endParaRPr>
           </a:p>
@@ -4305,25 +5624,150 @@
           <a:p>
             <a:r>
               <a:rPr lang="ru-RU" sz="2800" dirty="0" smtClean="0">
-                <a:latin typeface="Bahnschrift Light SemiCondensed" pitchFamily="34" charset="0"/>
                 <a:ea typeface="Microsoft JhengHei Light" panose="020B0304030504040204" pitchFamily="34" charset="-120"/>
               </a:rPr>
               <a:t>Макет </a:t>
             </a:r>
             <a:r>
               <a:rPr lang="en-US" sz="2800" dirty="0" err="1" smtClean="0">
-                <a:latin typeface="Bahnschrift Light SemiCondensed" pitchFamily="34" charset="0"/>
                 <a:ea typeface="Microsoft JhengHei Light" panose="020B0304030504040204" pitchFamily="34" charset="-120"/>
               </a:rPr>
               <a:t>Figma</a:t>
             </a:r>
             <a:endParaRPr lang="ru-RU" sz="2800" dirty="0">
-              <a:latin typeface="Bahnschrift Light SemiCondensed" pitchFamily="34" charset="0"/>
               <a:ea typeface="Microsoft JhengHei Light" panose="020B0304030504040204" pitchFamily="34" charset="-120"/>
             </a:endParaRPr>
           </a:p>
         </p:txBody>
       </p:sp>
+      <p:pic>
+        <p:nvPicPr>
+          <p:cNvPr id="7170" name="Picture 2"/>
+          <p:cNvPicPr>
+            <a:picLocks noChangeAspect="1" noChangeArrowheads="1"/>
+          </p:cNvPicPr>
+          <p:nvPr/>
+        </p:nvPicPr>
+        <p:blipFill>
+          <a:blip r:embed="rId2">
+            <a:extLst>
+              <a:ext uri="{28A0092B-C50C-407E-A947-70E740481C1C}">
+                <a14:useLocalDpi xmlns:a14="http://schemas.microsoft.com/office/drawing/2010/main" val="0"/>
+              </a:ext>
+            </a:extLst>
+          </a:blip>
+          <a:srcRect/>
+          <a:stretch>
+            <a:fillRect/>
+          </a:stretch>
+        </p:blipFill>
+        <p:spPr bwMode="auto">
+          <a:xfrm>
+            <a:off x="0" y="2060848"/>
+            <a:ext cx="4896544" cy="3291022"/>
+          </a:xfrm>
+          <a:prstGeom prst="rect">
+            <a:avLst/>
+          </a:prstGeom>
+          <a:noFill/>
+          <a:ln>
+            <a:noFill/>
+          </a:ln>
+          <a:effectLst/>
+          <a:extLst>
+            <a:ext uri="{909E8E84-426E-40DD-AFC4-6F175D3DCCD1}">
+              <a14:hiddenFill xmlns:a14="http://schemas.microsoft.com/office/drawing/2010/main">
+                <a:solidFill>
+                  <a:schemeClr val="accent1"/>
+                </a:solidFill>
+              </a14:hiddenFill>
+            </a:ext>
+            <a:ext uri="{91240B29-F687-4F45-9708-019B960494DF}">
+              <a14:hiddenLine xmlns:a14="http://schemas.microsoft.com/office/drawing/2010/main" w="9525">
+                <a:solidFill>
+                  <a:schemeClr val="tx1"/>
+                </a:solidFill>
+                <a:miter lim="800000"/>
+                <a:headEnd/>
+                <a:tailEnd/>
+              </a14:hiddenLine>
+            </a:ext>
+            <a:ext uri="{AF507438-7753-43E0-B8FC-AC1667EBCBE1}">
+              <a14:hiddenEffects xmlns:a14="http://schemas.microsoft.com/office/drawing/2010/main">
+                <a:effectLst>
+                  <a:outerShdw dist="35921" dir="2700000" algn="ctr" rotWithShape="0">
+                    <a:schemeClr val="bg2"/>
+                  </a:outerShdw>
+                </a:effectLst>
+              </a14:hiddenEffects>
+            </a:ext>
+          </a:extLst>
+        </p:spPr>
+      </p:pic>
+      <p:pic>
+        <p:nvPicPr>
+          <p:cNvPr id="7171" name="Picture 3"/>
+          <p:cNvPicPr>
+            <a:picLocks noChangeAspect="1" noChangeArrowheads="1"/>
+          </p:cNvPicPr>
+          <p:nvPr/>
+        </p:nvPicPr>
+        <p:blipFill>
+          <a:blip r:embed="rId3">
+            <a:extLst>
+              <a:ext uri="{28A0092B-C50C-407E-A947-70E740481C1C}">
+                <a14:useLocalDpi xmlns:a14="http://schemas.microsoft.com/office/drawing/2010/main" val="0"/>
+              </a:ext>
+            </a:extLst>
+          </a:blip>
+          <a:srcRect/>
+          <a:stretch>
+            <a:fillRect/>
+          </a:stretch>
+        </p:blipFill>
+        <p:spPr bwMode="auto">
+          <a:xfrm>
+            <a:off x="4291721" y="2060848"/>
+            <a:ext cx="4868020" cy="3291022"/>
+          </a:xfrm>
+          <a:prstGeom prst="rect">
+            <a:avLst/>
+          </a:prstGeom>
+          <a:noFill/>
+          <a:ln>
+            <a:noFill/>
+          </a:ln>
+          <a:effectLst/>
+          <a:extLst>
+            <a:ext uri="{909E8E84-426E-40DD-AFC4-6F175D3DCCD1}">
+              <a14:hiddenFill xmlns:a14="http://schemas.microsoft.com/office/drawing/2010/main">
+                <a:solidFill>
+                  <a:schemeClr val="accent1"/>
+                </a:solidFill>
+              </a14:hiddenFill>
+            </a:ext>
+            <a:ext uri="{91240B29-F687-4F45-9708-019B960494DF}">
+              <a14:hiddenLine xmlns:a14="http://schemas.microsoft.com/office/drawing/2010/main" w="9525">
+                <a:solidFill>
+                  <a:schemeClr val="tx1"/>
+                </a:solidFill>
+                <a:miter lim="800000"/>
+                <a:headEnd/>
+                <a:tailEnd/>
+              </a14:hiddenLine>
+            </a:ext>
+            <a:ext uri="{AF507438-7753-43E0-B8FC-AC1667EBCBE1}">
+              <a14:hiddenEffects xmlns:a14="http://schemas.microsoft.com/office/drawing/2010/main">
+                <a:effectLst>
+                  <a:outerShdw dist="35921" dir="2700000" algn="ctr" rotWithShape="0">
+                    <a:schemeClr val="bg2"/>
+                  </a:outerShdw>
+                </a:effectLst>
+              </a14:hiddenEffects>
+            </a:ext>
+          </a:extLst>
+        </p:spPr>
+      </p:pic>
     </p:spTree>
     <p:extLst>
       <p:ext uri="{BB962C8B-B14F-4D97-AF65-F5344CB8AC3E}">
@@ -4385,13 +5829,11 @@
           <a:p>
             <a:r>
               <a:rPr lang="ru-RU" sz="2800" dirty="0" smtClean="0">
-                <a:latin typeface="Bahnschrift Light SemiCondensed" pitchFamily="34" charset="0"/>
                 <a:ea typeface="Microsoft JhengHei Light" panose="020B0304030504040204" pitchFamily="34" charset="-120"/>
               </a:rPr>
               <a:t>Итоговый Результат</a:t>
             </a:r>
             <a:endParaRPr lang="ru-RU" sz="2800" dirty="0">
-              <a:latin typeface="Bahnschrift Light SemiCondensed" pitchFamily="34" charset="0"/>
               <a:ea typeface="Microsoft JhengHei Light" panose="020B0304030504040204" pitchFamily="34" charset="-120"/>
             </a:endParaRPr>
           </a:p>
@@ -4421,25 +5863,150 @@
           <a:p>
             <a:r>
               <a:rPr lang="ru-RU" sz="2800" dirty="0" smtClean="0">
-                <a:latin typeface="Bahnschrift Light SemiCondensed" pitchFamily="34" charset="0"/>
                 <a:ea typeface="Microsoft JhengHei Light" panose="020B0304030504040204" pitchFamily="34" charset="-120"/>
               </a:rPr>
               <a:t>Макет </a:t>
             </a:r>
             <a:r>
               <a:rPr lang="en-US" sz="2800" dirty="0" err="1" smtClean="0">
-                <a:latin typeface="Bahnschrift Light SemiCondensed" pitchFamily="34" charset="0"/>
                 <a:ea typeface="Microsoft JhengHei Light" panose="020B0304030504040204" pitchFamily="34" charset="-120"/>
               </a:rPr>
               <a:t>Figma</a:t>
             </a:r>
             <a:endParaRPr lang="ru-RU" sz="2800" dirty="0">
-              <a:latin typeface="Bahnschrift Light SemiCondensed" pitchFamily="34" charset="0"/>
               <a:ea typeface="Microsoft JhengHei Light" panose="020B0304030504040204" pitchFamily="34" charset="-120"/>
             </a:endParaRPr>
           </a:p>
         </p:txBody>
       </p:sp>
+      <p:pic>
+        <p:nvPicPr>
+          <p:cNvPr id="8194" name="Picture 2"/>
+          <p:cNvPicPr>
+            <a:picLocks noChangeAspect="1" noChangeArrowheads="1"/>
+          </p:cNvPicPr>
+          <p:nvPr/>
+        </p:nvPicPr>
+        <p:blipFill>
+          <a:blip r:embed="rId2" cstate="print">
+            <a:extLst>
+              <a:ext uri="{28A0092B-C50C-407E-A947-70E740481C1C}">
+                <a14:useLocalDpi xmlns:a14="http://schemas.microsoft.com/office/drawing/2010/main" val="0"/>
+              </a:ext>
+            </a:extLst>
+          </a:blip>
+          <a:srcRect/>
+          <a:stretch>
+            <a:fillRect/>
+          </a:stretch>
+        </p:blipFill>
+        <p:spPr bwMode="auto">
+          <a:xfrm>
+            <a:off x="1" y="2348880"/>
+            <a:ext cx="4427984" cy="2088232"/>
+          </a:xfrm>
+          <a:prstGeom prst="rect">
+            <a:avLst/>
+          </a:prstGeom>
+          <a:noFill/>
+          <a:ln>
+            <a:noFill/>
+          </a:ln>
+          <a:effectLst/>
+          <a:extLst>
+            <a:ext uri="{909E8E84-426E-40DD-AFC4-6F175D3DCCD1}">
+              <a14:hiddenFill xmlns:a14="http://schemas.microsoft.com/office/drawing/2010/main">
+                <a:solidFill>
+                  <a:schemeClr val="accent1"/>
+                </a:solidFill>
+              </a14:hiddenFill>
+            </a:ext>
+            <a:ext uri="{91240B29-F687-4F45-9708-019B960494DF}">
+              <a14:hiddenLine xmlns:a14="http://schemas.microsoft.com/office/drawing/2010/main" w="9525">
+                <a:solidFill>
+                  <a:schemeClr val="tx1"/>
+                </a:solidFill>
+                <a:miter lim="800000"/>
+                <a:headEnd/>
+                <a:tailEnd/>
+              </a14:hiddenLine>
+            </a:ext>
+            <a:ext uri="{AF507438-7753-43E0-B8FC-AC1667EBCBE1}">
+              <a14:hiddenEffects xmlns:a14="http://schemas.microsoft.com/office/drawing/2010/main">
+                <a:effectLst>
+                  <a:outerShdw dist="35921" dir="2700000" algn="ctr" rotWithShape="0">
+                    <a:schemeClr val="bg2"/>
+                  </a:outerShdw>
+                </a:effectLst>
+              </a14:hiddenEffects>
+            </a:ext>
+          </a:extLst>
+        </p:spPr>
+      </p:pic>
+      <p:pic>
+        <p:nvPicPr>
+          <p:cNvPr id="8195" name="Picture 3"/>
+          <p:cNvPicPr>
+            <a:picLocks noChangeAspect="1" noChangeArrowheads="1"/>
+          </p:cNvPicPr>
+          <p:nvPr/>
+        </p:nvPicPr>
+        <p:blipFill>
+          <a:blip r:embed="rId3">
+            <a:extLst>
+              <a:ext uri="{28A0092B-C50C-407E-A947-70E740481C1C}">
+                <a14:useLocalDpi xmlns:a14="http://schemas.microsoft.com/office/drawing/2010/main" val="0"/>
+              </a:ext>
+            </a:extLst>
+          </a:blip>
+          <a:srcRect/>
+          <a:stretch>
+            <a:fillRect/>
+          </a:stretch>
+        </p:blipFill>
+        <p:spPr bwMode="auto">
+          <a:xfrm>
+            <a:off x="4716016" y="2348880"/>
+            <a:ext cx="4427984" cy="2088232"/>
+          </a:xfrm>
+          <a:prstGeom prst="rect">
+            <a:avLst/>
+          </a:prstGeom>
+          <a:noFill/>
+          <a:ln>
+            <a:noFill/>
+          </a:ln>
+          <a:effectLst/>
+          <a:extLst>
+            <a:ext uri="{909E8E84-426E-40DD-AFC4-6F175D3DCCD1}">
+              <a14:hiddenFill xmlns:a14="http://schemas.microsoft.com/office/drawing/2010/main">
+                <a:solidFill>
+                  <a:schemeClr val="accent1"/>
+                </a:solidFill>
+              </a14:hiddenFill>
+            </a:ext>
+            <a:ext uri="{91240B29-F687-4F45-9708-019B960494DF}">
+              <a14:hiddenLine xmlns:a14="http://schemas.microsoft.com/office/drawing/2010/main" w="9525">
+                <a:solidFill>
+                  <a:schemeClr val="tx1"/>
+                </a:solidFill>
+                <a:miter lim="800000"/>
+                <a:headEnd/>
+                <a:tailEnd/>
+              </a14:hiddenLine>
+            </a:ext>
+            <a:ext uri="{AF507438-7753-43E0-B8FC-AC1667EBCBE1}">
+              <a14:hiddenEffects xmlns:a14="http://schemas.microsoft.com/office/drawing/2010/main">
+                <a:effectLst>
+                  <a:outerShdw dist="35921" dir="2700000" algn="ctr" rotWithShape="0">
+                    <a:schemeClr val="bg2"/>
+                  </a:outerShdw>
+                </a:effectLst>
+              </a14:hiddenEffects>
+            </a:ext>
+          </a:extLst>
+        </p:spPr>
+      </p:pic>
     </p:spTree>
     <p:extLst>
       <p:ext uri="{BB962C8B-B14F-4D97-AF65-F5344CB8AC3E}">
